--- a/프론트엔드기초(PPT)/웹프로그래밍 1강_강의소개.pptx
+++ b/프론트엔드기초(PPT)/웹프로그래밍 1강_강의소개.pptx
@@ -6,19 +6,20 @@
   </p:sldMasterIdLst>
   <p:sldIdLst>
     <p:sldId id="256" r:id="rId2"/>
-    <p:sldId id="264" r:id="rId3"/>
-    <p:sldId id="262" r:id="rId4"/>
-    <p:sldId id="271" r:id="rId5"/>
-    <p:sldId id="265" r:id="rId6"/>
-    <p:sldId id="259" r:id="rId7"/>
-    <p:sldId id="260" r:id="rId8"/>
-    <p:sldId id="266" r:id="rId9"/>
-    <p:sldId id="261" r:id="rId10"/>
-    <p:sldId id="267" r:id="rId11"/>
-    <p:sldId id="268" r:id="rId12"/>
-    <p:sldId id="269" r:id="rId13"/>
-    <p:sldId id="270" r:id="rId14"/>
-    <p:sldId id="263" r:id="rId15"/>
+    <p:sldId id="272" r:id="rId3"/>
+    <p:sldId id="273" r:id="rId4"/>
+    <p:sldId id="274" r:id="rId5"/>
+    <p:sldId id="275" r:id="rId6"/>
+    <p:sldId id="276" r:id="rId7"/>
+    <p:sldId id="277" r:id="rId8"/>
+    <p:sldId id="260" r:id="rId9"/>
+    <p:sldId id="267" r:id="rId10"/>
+    <p:sldId id="268" r:id="rId11"/>
+    <p:sldId id="269" r:id="rId12"/>
+    <p:sldId id="270" r:id="rId13"/>
+    <p:sldId id="266" r:id="rId14"/>
+    <p:sldId id="261" r:id="rId15"/>
+    <p:sldId id="263" r:id="rId16"/>
   </p:sldIdLst>
   <p:sldSz cx="9144000" cy="6858000" type="screen4x3"/>
   <p:notesSz cx="6858000" cy="9144000"/>
@@ -117,6 +118,22 @@
       </a:defRPr>
     </a:lvl9pPr>
   </p:defaultTextStyle>
+  <p:extLst>
+    <p:ext uri="{EFAFB233-063F-42B5-8137-9DF3F51BA10A}">
+      <p15:sldGuideLst xmlns:p15="http://schemas.microsoft.com/office/powerpoint/2012/main">
+        <p15:guide id="1" orient="horz" pos="2160">
+          <p15:clr>
+            <a:srgbClr val="A4A3A4"/>
+          </p15:clr>
+        </p15:guide>
+        <p15:guide id="2" pos="2880">
+          <p15:clr>
+            <a:srgbClr val="A4A3A4"/>
+          </p15:clr>
+        </p15:guide>
+      </p15:sldGuideLst>
+    </p:ext>
+  </p:extLst>
 </p:presentation>
 </file>
 
@@ -158,10 +175,9 @@
           <a:lstStyle/>
           <a:p>
             <a:r>
-              <a:rPr lang="ko-KR" altLang="en-US" smtClean="0"/>
+              <a:rPr lang="ko-KR" altLang="en-US"/>
               <a:t>마스터 제목 스타일 편집</a:t>
             </a:r>
-            <a:endParaRPr lang="ko-KR" altLang="en-US"/>
           </a:p>
         </p:txBody>
       </p:sp>
@@ -277,10 +293,9 @@
           </a:lstStyle>
           <a:p>
             <a:r>
-              <a:rPr lang="ko-KR" altLang="en-US" smtClean="0"/>
+              <a:rPr lang="ko-KR" altLang="en-US"/>
               <a:t>마스터 부제목 스타일 편집</a:t>
             </a:r>
-            <a:endParaRPr lang="ko-KR" altLang="en-US"/>
           </a:p>
         </p:txBody>
       </p:sp>
@@ -301,7 +316,7 @@
           <a:p>
             <a:fld id="{FB30EDBD-1C2D-4C1E-B459-B60219FAB484}" type="datetimeFigureOut">
               <a:rPr lang="ko-KR" altLang="en-US" smtClean="0"/>
-              <a:t>2020-09-07</a:t>
+              <a:t>2020-11-09</a:t>
             </a:fld>
             <a:endParaRPr lang="ko-KR" altLang="en-US"/>
           </a:p>
@@ -390,10 +405,9 @@
           <a:lstStyle/>
           <a:p>
             <a:r>
-              <a:rPr lang="ko-KR" altLang="en-US" smtClean="0"/>
+              <a:rPr lang="ko-KR" altLang="en-US"/>
               <a:t>마스터 제목 스타일 편집</a:t>
             </a:r>
-            <a:endParaRPr lang="ko-KR" altLang="en-US"/>
           </a:p>
         </p:txBody>
       </p:sp>
@@ -414,38 +428,37 @@
           <a:p>
             <a:pPr lvl="0"/>
             <a:r>
-              <a:rPr lang="ko-KR" altLang="en-US" smtClean="0"/>
+              <a:rPr lang="ko-KR" altLang="en-US"/>
               <a:t>마스터 텍스트 스타일을 편집합니다</a:t>
             </a:r>
           </a:p>
           <a:p>
             <a:pPr lvl="1"/>
             <a:r>
-              <a:rPr lang="ko-KR" altLang="en-US" smtClean="0"/>
+              <a:rPr lang="ko-KR" altLang="en-US"/>
               <a:t>둘째 수준</a:t>
             </a:r>
           </a:p>
           <a:p>
             <a:pPr lvl="2"/>
             <a:r>
-              <a:rPr lang="ko-KR" altLang="en-US" smtClean="0"/>
+              <a:rPr lang="ko-KR" altLang="en-US"/>
               <a:t>셋째 수준</a:t>
             </a:r>
           </a:p>
           <a:p>
             <a:pPr lvl="3"/>
             <a:r>
-              <a:rPr lang="ko-KR" altLang="en-US" smtClean="0"/>
+              <a:rPr lang="ko-KR" altLang="en-US"/>
               <a:t>넷째 수준</a:t>
             </a:r>
           </a:p>
           <a:p>
             <a:pPr lvl="4"/>
             <a:r>
-              <a:rPr lang="ko-KR" altLang="en-US" smtClean="0"/>
+              <a:rPr lang="ko-KR" altLang="en-US"/>
               <a:t>다섯째 수준</a:t>
             </a:r>
-            <a:endParaRPr lang="ko-KR" altLang="en-US"/>
           </a:p>
         </p:txBody>
       </p:sp>
@@ -466,7 +479,7 @@
           <a:p>
             <a:fld id="{FB30EDBD-1C2D-4C1E-B459-B60219FAB484}" type="datetimeFigureOut">
               <a:rPr lang="ko-KR" altLang="en-US" smtClean="0"/>
-              <a:t>2020-09-07</a:t>
+              <a:t>2020-11-09</a:t>
             </a:fld>
             <a:endParaRPr lang="ko-KR" altLang="en-US"/>
           </a:p>
@@ -560,10 +573,9 @@
           <a:lstStyle/>
           <a:p>
             <a:r>
-              <a:rPr lang="ko-KR" altLang="en-US" smtClean="0"/>
+              <a:rPr lang="ko-KR" altLang="en-US"/>
               <a:t>마스터 제목 스타일 편집</a:t>
             </a:r>
-            <a:endParaRPr lang="ko-KR" altLang="en-US"/>
           </a:p>
         </p:txBody>
       </p:sp>
@@ -589,38 +601,37 @@
           <a:p>
             <a:pPr lvl="0"/>
             <a:r>
-              <a:rPr lang="ko-KR" altLang="en-US" smtClean="0"/>
+              <a:rPr lang="ko-KR" altLang="en-US"/>
               <a:t>마스터 텍스트 스타일을 편집합니다</a:t>
             </a:r>
           </a:p>
           <a:p>
             <a:pPr lvl="1"/>
             <a:r>
-              <a:rPr lang="ko-KR" altLang="en-US" smtClean="0"/>
+              <a:rPr lang="ko-KR" altLang="en-US"/>
               <a:t>둘째 수준</a:t>
             </a:r>
           </a:p>
           <a:p>
             <a:pPr lvl="2"/>
             <a:r>
-              <a:rPr lang="ko-KR" altLang="en-US" smtClean="0"/>
+              <a:rPr lang="ko-KR" altLang="en-US"/>
               <a:t>셋째 수준</a:t>
             </a:r>
           </a:p>
           <a:p>
             <a:pPr lvl="3"/>
             <a:r>
-              <a:rPr lang="ko-KR" altLang="en-US" smtClean="0"/>
+              <a:rPr lang="ko-KR" altLang="en-US"/>
               <a:t>넷째 수준</a:t>
             </a:r>
           </a:p>
           <a:p>
             <a:pPr lvl="4"/>
             <a:r>
-              <a:rPr lang="ko-KR" altLang="en-US" smtClean="0"/>
+              <a:rPr lang="ko-KR" altLang="en-US"/>
               <a:t>다섯째 수준</a:t>
             </a:r>
-            <a:endParaRPr lang="ko-KR" altLang="en-US"/>
           </a:p>
         </p:txBody>
       </p:sp>
@@ -641,7 +652,7 @@
           <a:p>
             <a:fld id="{FB30EDBD-1C2D-4C1E-B459-B60219FAB484}" type="datetimeFigureOut">
               <a:rPr lang="ko-KR" altLang="en-US" smtClean="0"/>
-              <a:t>2020-09-07</a:t>
+              <a:t>2020-11-09</a:t>
             </a:fld>
             <a:endParaRPr lang="ko-KR" altLang="en-US"/>
           </a:p>
@@ -730,10 +741,9 @@
           <a:lstStyle/>
           <a:p>
             <a:r>
-              <a:rPr lang="ko-KR" altLang="en-US" smtClean="0"/>
+              <a:rPr lang="ko-KR" altLang="en-US"/>
               <a:t>마스터 제목 스타일 편집</a:t>
             </a:r>
-            <a:endParaRPr lang="ko-KR" altLang="en-US"/>
           </a:p>
         </p:txBody>
       </p:sp>
@@ -754,38 +764,37 @@
           <a:p>
             <a:pPr lvl="0"/>
             <a:r>
-              <a:rPr lang="ko-KR" altLang="en-US" smtClean="0"/>
+              <a:rPr lang="ko-KR" altLang="en-US"/>
               <a:t>마스터 텍스트 스타일을 편집합니다</a:t>
             </a:r>
           </a:p>
           <a:p>
             <a:pPr lvl="1"/>
             <a:r>
-              <a:rPr lang="ko-KR" altLang="en-US" smtClean="0"/>
+              <a:rPr lang="ko-KR" altLang="en-US"/>
               <a:t>둘째 수준</a:t>
             </a:r>
           </a:p>
           <a:p>
             <a:pPr lvl="2"/>
             <a:r>
-              <a:rPr lang="ko-KR" altLang="en-US" smtClean="0"/>
+              <a:rPr lang="ko-KR" altLang="en-US"/>
               <a:t>셋째 수준</a:t>
             </a:r>
           </a:p>
           <a:p>
             <a:pPr lvl="3"/>
             <a:r>
-              <a:rPr lang="ko-KR" altLang="en-US" smtClean="0"/>
+              <a:rPr lang="ko-KR" altLang="en-US"/>
               <a:t>넷째 수준</a:t>
             </a:r>
           </a:p>
           <a:p>
             <a:pPr lvl="4"/>
             <a:r>
-              <a:rPr lang="ko-KR" altLang="en-US" smtClean="0"/>
+              <a:rPr lang="ko-KR" altLang="en-US"/>
               <a:t>다섯째 수준</a:t>
             </a:r>
-            <a:endParaRPr lang="ko-KR" altLang="en-US"/>
           </a:p>
         </p:txBody>
       </p:sp>
@@ -806,7 +815,7 @@
           <a:p>
             <a:fld id="{FB30EDBD-1C2D-4C1E-B459-B60219FAB484}" type="datetimeFigureOut">
               <a:rPr lang="ko-KR" altLang="en-US" smtClean="0"/>
-              <a:t>2020-09-07</a:t>
+              <a:t>2020-11-09</a:t>
             </a:fld>
             <a:endParaRPr lang="ko-KR" altLang="en-US"/>
           </a:p>
@@ -904,10 +913,9 @@
           </a:lstStyle>
           <a:p>
             <a:r>
-              <a:rPr lang="ko-KR" altLang="en-US" smtClean="0"/>
+              <a:rPr lang="ko-KR" altLang="en-US"/>
               <a:t>마스터 제목 스타일 편집</a:t>
             </a:r>
-            <a:endParaRPr lang="ko-KR" altLang="en-US"/>
           </a:p>
         </p:txBody>
       </p:sp>
@@ -1024,7 +1032,7 @@
           <a:p>
             <a:pPr lvl="0"/>
             <a:r>
-              <a:rPr lang="ko-KR" altLang="en-US" smtClean="0"/>
+              <a:rPr lang="ko-KR" altLang="en-US"/>
               <a:t>마스터 텍스트 스타일을 편집합니다</a:t>
             </a:r>
           </a:p>
@@ -1047,7 +1055,7 @@
           <a:p>
             <a:fld id="{FB30EDBD-1C2D-4C1E-B459-B60219FAB484}" type="datetimeFigureOut">
               <a:rPr lang="ko-KR" altLang="en-US" smtClean="0"/>
-              <a:t>2020-09-07</a:t>
+              <a:t>2020-11-09</a:t>
             </a:fld>
             <a:endParaRPr lang="ko-KR" altLang="en-US"/>
           </a:p>
@@ -1136,10 +1144,9 @@
           <a:lstStyle/>
           <a:p>
             <a:r>
-              <a:rPr lang="ko-KR" altLang="en-US" smtClean="0"/>
+              <a:rPr lang="ko-KR" altLang="en-US"/>
               <a:t>마스터 제목 스타일 편집</a:t>
             </a:r>
-            <a:endParaRPr lang="ko-KR" altLang="en-US"/>
           </a:p>
         </p:txBody>
       </p:sp>
@@ -1193,38 +1200,37 @@
           <a:p>
             <a:pPr lvl="0"/>
             <a:r>
-              <a:rPr lang="ko-KR" altLang="en-US" smtClean="0"/>
+              <a:rPr lang="ko-KR" altLang="en-US"/>
               <a:t>마스터 텍스트 스타일을 편집합니다</a:t>
             </a:r>
           </a:p>
           <a:p>
             <a:pPr lvl="1"/>
             <a:r>
-              <a:rPr lang="ko-KR" altLang="en-US" smtClean="0"/>
+              <a:rPr lang="ko-KR" altLang="en-US"/>
               <a:t>둘째 수준</a:t>
             </a:r>
           </a:p>
           <a:p>
             <a:pPr lvl="2"/>
             <a:r>
-              <a:rPr lang="ko-KR" altLang="en-US" smtClean="0"/>
+              <a:rPr lang="ko-KR" altLang="en-US"/>
               <a:t>셋째 수준</a:t>
             </a:r>
           </a:p>
           <a:p>
             <a:pPr lvl="3"/>
             <a:r>
-              <a:rPr lang="ko-KR" altLang="en-US" smtClean="0"/>
+              <a:rPr lang="ko-KR" altLang="en-US"/>
               <a:t>넷째 수준</a:t>
             </a:r>
           </a:p>
           <a:p>
             <a:pPr lvl="4"/>
             <a:r>
-              <a:rPr lang="ko-KR" altLang="en-US" smtClean="0"/>
+              <a:rPr lang="ko-KR" altLang="en-US"/>
               <a:t>다섯째 수준</a:t>
             </a:r>
-            <a:endParaRPr lang="ko-KR" altLang="en-US"/>
           </a:p>
         </p:txBody>
       </p:sp>
@@ -1278,38 +1284,37 @@
           <a:p>
             <a:pPr lvl="0"/>
             <a:r>
-              <a:rPr lang="ko-KR" altLang="en-US" smtClean="0"/>
+              <a:rPr lang="ko-KR" altLang="en-US"/>
               <a:t>마스터 텍스트 스타일을 편집합니다</a:t>
             </a:r>
           </a:p>
           <a:p>
             <a:pPr lvl="1"/>
             <a:r>
-              <a:rPr lang="ko-KR" altLang="en-US" smtClean="0"/>
+              <a:rPr lang="ko-KR" altLang="en-US"/>
               <a:t>둘째 수준</a:t>
             </a:r>
           </a:p>
           <a:p>
             <a:pPr lvl="2"/>
             <a:r>
-              <a:rPr lang="ko-KR" altLang="en-US" smtClean="0"/>
+              <a:rPr lang="ko-KR" altLang="en-US"/>
               <a:t>셋째 수준</a:t>
             </a:r>
           </a:p>
           <a:p>
             <a:pPr lvl="3"/>
             <a:r>
-              <a:rPr lang="ko-KR" altLang="en-US" smtClean="0"/>
+              <a:rPr lang="ko-KR" altLang="en-US"/>
               <a:t>넷째 수준</a:t>
             </a:r>
           </a:p>
           <a:p>
             <a:pPr lvl="4"/>
             <a:r>
-              <a:rPr lang="ko-KR" altLang="en-US" smtClean="0"/>
+              <a:rPr lang="ko-KR" altLang="en-US"/>
               <a:t>다섯째 수준</a:t>
             </a:r>
-            <a:endParaRPr lang="ko-KR" altLang="en-US"/>
           </a:p>
         </p:txBody>
       </p:sp>
@@ -1330,7 +1335,7 @@
           <a:p>
             <a:fld id="{FB30EDBD-1C2D-4C1E-B459-B60219FAB484}" type="datetimeFigureOut">
               <a:rPr lang="ko-KR" altLang="en-US" smtClean="0"/>
-              <a:t>2020-09-07</a:t>
+              <a:t>2020-11-09</a:t>
             </a:fld>
             <a:endParaRPr lang="ko-KR" altLang="en-US"/>
           </a:p>
@@ -1423,10 +1428,9 @@
           </a:lstStyle>
           <a:p>
             <a:r>
-              <a:rPr lang="ko-KR" altLang="en-US" smtClean="0"/>
+              <a:rPr lang="ko-KR" altLang="en-US"/>
               <a:t>마스터 제목 스타일 편집</a:t>
             </a:r>
-            <a:endParaRPr lang="ko-KR" altLang="en-US"/>
           </a:p>
         </p:txBody>
       </p:sp>
@@ -1489,7 +1493,7 @@
           <a:p>
             <a:pPr lvl="0"/>
             <a:r>
-              <a:rPr lang="ko-KR" altLang="en-US" smtClean="0"/>
+              <a:rPr lang="ko-KR" altLang="en-US"/>
               <a:t>마스터 텍스트 스타일을 편집합니다</a:t>
             </a:r>
           </a:p>
@@ -1545,38 +1549,37 @@
           <a:p>
             <a:pPr lvl="0"/>
             <a:r>
-              <a:rPr lang="ko-KR" altLang="en-US" smtClean="0"/>
+              <a:rPr lang="ko-KR" altLang="en-US"/>
               <a:t>마스터 텍스트 스타일을 편집합니다</a:t>
             </a:r>
           </a:p>
           <a:p>
             <a:pPr lvl="1"/>
             <a:r>
-              <a:rPr lang="ko-KR" altLang="en-US" smtClean="0"/>
+              <a:rPr lang="ko-KR" altLang="en-US"/>
               <a:t>둘째 수준</a:t>
             </a:r>
           </a:p>
           <a:p>
             <a:pPr lvl="2"/>
             <a:r>
-              <a:rPr lang="ko-KR" altLang="en-US" smtClean="0"/>
+              <a:rPr lang="ko-KR" altLang="en-US"/>
               <a:t>셋째 수준</a:t>
             </a:r>
           </a:p>
           <a:p>
             <a:pPr lvl="3"/>
             <a:r>
-              <a:rPr lang="ko-KR" altLang="en-US" smtClean="0"/>
+              <a:rPr lang="ko-KR" altLang="en-US"/>
               <a:t>넷째 수준</a:t>
             </a:r>
           </a:p>
           <a:p>
             <a:pPr lvl="4"/>
             <a:r>
-              <a:rPr lang="ko-KR" altLang="en-US" smtClean="0"/>
+              <a:rPr lang="ko-KR" altLang="en-US"/>
               <a:t>다섯째 수준</a:t>
             </a:r>
-            <a:endParaRPr lang="ko-KR" altLang="en-US"/>
           </a:p>
         </p:txBody>
       </p:sp>
@@ -1639,7 +1642,7 @@
           <a:p>
             <a:pPr lvl="0"/>
             <a:r>
-              <a:rPr lang="ko-KR" altLang="en-US" smtClean="0"/>
+              <a:rPr lang="ko-KR" altLang="en-US"/>
               <a:t>마스터 텍스트 스타일을 편집합니다</a:t>
             </a:r>
           </a:p>
@@ -1695,38 +1698,37 @@
           <a:p>
             <a:pPr lvl="0"/>
             <a:r>
-              <a:rPr lang="ko-KR" altLang="en-US" smtClean="0"/>
+              <a:rPr lang="ko-KR" altLang="en-US"/>
               <a:t>마스터 텍스트 스타일을 편집합니다</a:t>
             </a:r>
           </a:p>
           <a:p>
             <a:pPr lvl="1"/>
             <a:r>
-              <a:rPr lang="ko-KR" altLang="en-US" smtClean="0"/>
+              <a:rPr lang="ko-KR" altLang="en-US"/>
               <a:t>둘째 수준</a:t>
             </a:r>
           </a:p>
           <a:p>
             <a:pPr lvl="2"/>
             <a:r>
-              <a:rPr lang="ko-KR" altLang="en-US" smtClean="0"/>
+              <a:rPr lang="ko-KR" altLang="en-US"/>
               <a:t>셋째 수준</a:t>
             </a:r>
           </a:p>
           <a:p>
             <a:pPr lvl="3"/>
             <a:r>
-              <a:rPr lang="ko-KR" altLang="en-US" smtClean="0"/>
+              <a:rPr lang="ko-KR" altLang="en-US"/>
               <a:t>넷째 수준</a:t>
             </a:r>
           </a:p>
           <a:p>
             <a:pPr lvl="4"/>
             <a:r>
-              <a:rPr lang="ko-KR" altLang="en-US" smtClean="0"/>
+              <a:rPr lang="ko-KR" altLang="en-US"/>
               <a:t>다섯째 수준</a:t>
             </a:r>
-            <a:endParaRPr lang="ko-KR" altLang="en-US"/>
           </a:p>
         </p:txBody>
       </p:sp>
@@ -1747,7 +1749,7 @@
           <a:p>
             <a:fld id="{FB30EDBD-1C2D-4C1E-B459-B60219FAB484}" type="datetimeFigureOut">
               <a:rPr lang="ko-KR" altLang="en-US" smtClean="0"/>
-              <a:t>2020-09-07</a:t>
+              <a:t>2020-11-09</a:t>
             </a:fld>
             <a:endParaRPr lang="ko-KR" altLang="en-US"/>
           </a:p>
@@ -1836,10 +1838,9 @@
           <a:lstStyle/>
           <a:p>
             <a:r>
-              <a:rPr lang="ko-KR" altLang="en-US" smtClean="0"/>
+              <a:rPr lang="ko-KR" altLang="en-US"/>
               <a:t>마스터 제목 스타일 편집</a:t>
             </a:r>
-            <a:endParaRPr lang="ko-KR" altLang="en-US"/>
           </a:p>
         </p:txBody>
       </p:sp>
@@ -1860,7 +1861,7 @@
           <a:p>
             <a:fld id="{FB30EDBD-1C2D-4C1E-B459-B60219FAB484}" type="datetimeFigureOut">
               <a:rPr lang="ko-KR" altLang="en-US" smtClean="0"/>
-              <a:t>2020-09-07</a:t>
+              <a:t>2020-11-09</a:t>
             </a:fld>
             <a:endParaRPr lang="ko-KR" altLang="en-US"/>
           </a:p>
@@ -1950,7 +1951,7 @@
           <a:p>
             <a:fld id="{FB30EDBD-1C2D-4C1E-B459-B60219FAB484}" type="datetimeFigureOut">
               <a:rPr lang="ko-KR" altLang="en-US" smtClean="0"/>
-              <a:t>2020-09-07</a:t>
+              <a:t>2020-11-09</a:t>
             </a:fld>
             <a:endParaRPr lang="ko-KR" altLang="en-US"/>
           </a:p>
@@ -2048,10 +2049,9 @@
           </a:lstStyle>
           <a:p>
             <a:r>
-              <a:rPr lang="ko-KR" altLang="en-US" smtClean="0"/>
+              <a:rPr lang="ko-KR" altLang="en-US"/>
               <a:t>마스터 제목 스타일 편집</a:t>
             </a:r>
-            <a:endParaRPr lang="ko-KR" altLang="en-US"/>
           </a:p>
         </p:txBody>
       </p:sp>
@@ -2105,38 +2105,37 @@
           <a:p>
             <a:pPr lvl="0"/>
             <a:r>
-              <a:rPr lang="ko-KR" altLang="en-US" smtClean="0"/>
+              <a:rPr lang="ko-KR" altLang="en-US"/>
               <a:t>마스터 텍스트 스타일을 편집합니다</a:t>
             </a:r>
           </a:p>
           <a:p>
             <a:pPr lvl="1"/>
             <a:r>
-              <a:rPr lang="ko-KR" altLang="en-US" smtClean="0"/>
+              <a:rPr lang="ko-KR" altLang="en-US"/>
               <a:t>둘째 수준</a:t>
             </a:r>
           </a:p>
           <a:p>
             <a:pPr lvl="2"/>
             <a:r>
-              <a:rPr lang="ko-KR" altLang="en-US" smtClean="0"/>
+              <a:rPr lang="ko-KR" altLang="en-US"/>
               <a:t>셋째 수준</a:t>
             </a:r>
           </a:p>
           <a:p>
             <a:pPr lvl="3"/>
             <a:r>
-              <a:rPr lang="ko-KR" altLang="en-US" smtClean="0"/>
+              <a:rPr lang="ko-KR" altLang="en-US"/>
               <a:t>넷째 수준</a:t>
             </a:r>
           </a:p>
           <a:p>
             <a:pPr lvl="4"/>
             <a:r>
-              <a:rPr lang="ko-KR" altLang="en-US" smtClean="0"/>
+              <a:rPr lang="ko-KR" altLang="en-US"/>
               <a:t>다섯째 수준</a:t>
             </a:r>
-            <a:endParaRPr lang="ko-KR" altLang="en-US"/>
           </a:p>
         </p:txBody>
       </p:sp>
@@ -2199,7 +2198,7 @@
           <a:p>
             <a:pPr lvl="0"/>
             <a:r>
-              <a:rPr lang="ko-KR" altLang="en-US" smtClean="0"/>
+              <a:rPr lang="ko-KR" altLang="en-US"/>
               <a:t>마스터 텍스트 스타일을 편집합니다</a:t>
             </a:r>
           </a:p>
@@ -2222,7 +2221,7 @@
           <a:p>
             <a:fld id="{FB30EDBD-1C2D-4C1E-B459-B60219FAB484}" type="datetimeFigureOut">
               <a:rPr lang="ko-KR" altLang="en-US" smtClean="0"/>
-              <a:t>2020-09-07</a:t>
+              <a:t>2020-11-09</a:t>
             </a:fld>
             <a:endParaRPr lang="ko-KR" altLang="en-US"/>
           </a:p>
@@ -2320,10 +2319,9 @@
           </a:lstStyle>
           <a:p>
             <a:r>
-              <a:rPr lang="ko-KR" altLang="en-US" smtClean="0"/>
+              <a:rPr lang="ko-KR" altLang="en-US"/>
               <a:t>마스터 제목 스타일 편집</a:t>
             </a:r>
-            <a:endParaRPr lang="ko-KR" altLang="en-US"/>
           </a:p>
         </p:txBody>
       </p:sp>
@@ -2447,7 +2445,7 @@
           <a:p>
             <a:pPr lvl="0"/>
             <a:r>
-              <a:rPr lang="ko-KR" altLang="en-US" smtClean="0"/>
+              <a:rPr lang="ko-KR" altLang="en-US"/>
               <a:t>마스터 텍스트 스타일을 편집합니다</a:t>
             </a:r>
           </a:p>
@@ -2470,7 +2468,7 @@
           <a:p>
             <a:fld id="{FB30EDBD-1C2D-4C1E-B459-B60219FAB484}" type="datetimeFigureOut">
               <a:rPr lang="ko-KR" altLang="en-US" smtClean="0"/>
-              <a:t>2020-09-07</a:t>
+              <a:t>2020-11-09</a:t>
             </a:fld>
             <a:endParaRPr lang="ko-KR" altLang="en-US"/>
           </a:p>
@@ -2574,10 +2572,9 @@
           <a:lstStyle/>
           <a:p>
             <a:r>
-              <a:rPr lang="ko-KR" altLang="en-US" smtClean="0"/>
+              <a:rPr lang="ko-KR" altLang="en-US"/>
               <a:t>마스터 제목 스타일 편집</a:t>
             </a:r>
-            <a:endParaRPr lang="ko-KR" altLang="en-US"/>
           </a:p>
         </p:txBody>
       </p:sp>
@@ -2608,38 +2605,37 @@
           <a:p>
             <a:pPr lvl="0"/>
             <a:r>
-              <a:rPr lang="ko-KR" altLang="en-US" smtClean="0"/>
+              <a:rPr lang="ko-KR" altLang="en-US"/>
               <a:t>마스터 텍스트 스타일을 편집합니다</a:t>
             </a:r>
           </a:p>
           <a:p>
             <a:pPr lvl="1"/>
             <a:r>
-              <a:rPr lang="ko-KR" altLang="en-US" smtClean="0"/>
+              <a:rPr lang="ko-KR" altLang="en-US"/>
               <a:t>둘째 수준</a:t>
             </a:r>
           </a:p>
           <a:p>
             <a:pPr lvl="2"/>
             <a:r>
-              <a:rPr lang="ko-KR" altLang="en-US" smtClean="0"/>
+              <a:rPr lang="ko-KR" altLang="en-US"/>
               <a:t>셋째 수준</a:t>
             </a:r>
           </a:p>
           <a:p>
             <a:pPr lvl="3"/>
             <a:r>
-              <a:rPr lang="ko-KR" altLang="en-US" smtClean="0"/>
+              <a:rPr lang="ko-KR" altLang="en-US"/>
               <a:t>넷째 수준</a:t>
             </a:r>
           </a:p>
           <a:p>
             <a:pPr lvl="4"/>
             <a:r>
-              <a:rPr lang="ko-KR" altLang="en-US" smtClean="0"/>
+              <a:rPr lang="ko-KR" altLang="en-US"/>
               <a:t>다섯째 수준</a:t>
             </a:r>
-            <a:endParaRPr lang="ko-KR" altLang="en-US"/>
           </a:p>
         </p:txBody>
       </p:sp>
@@ -2678,7 +2674,7 @@
           <a:p>
             <a:fld id="{FB30EDBD-1C2D-4C1E-B459-B60219FAB484}" type="datetimeFigureOut">
               <a:rPr lang="ko-KR" altLang="en-US" smtClean="0"/>
-              <a:t>2020-09-07</a:t>
+              <a:t>2020-11-09</a:t>
             </a:fld>
             <a:endParaRPr lang="ko-KR" altLang="en-US"/>
           </a:p>
@@ -3074,7 +3070,7 @@
           <a:lstStyle/>
           <a:p>
             <a:r>
-              <a:rPr lang="en-US" altLang="ko-KR" sz="2800" dirty="0" smtClean="0">
+              <a:rPr lang="en-US" altLang="ko-KR" sz="2800" dirty="0">
                 <a:solidFill>
                   <a:schemeClr val="accent5"/>
                 </a:solidFill>
@@ -3084,7 +3080,7 @@
               <a:t>Web Programming</a:t>
             </a:r>
             <a:br>
-              <a:rPr lang="en-US" altLang="ko-KR" sz="2800" dirty="0" smtClean="0">
+              <a:rPr lang="en-US" altLang="ko-KR" sz="2800" dirty="0">
                 <a:solidFill>
                   <a:schemeClr val="accent5"/>
                 </a:solidFill>
@@ -3092,18 +3088,47 @@
                 <a:ea typeface="배달의민족 주아" pitchFamily="18" charset="-127"/>
               </a:rPr>
             </a:br>
-            <a:r>
-              <a:rPr lang="en-US" altLang="ko-KR" dirty="0" smtClean="0">
+            <a:br>
+              <a:rPr lang="en-US" altLang="ko-KR" dirty="0">
                 <a:solidFill>
                   <a:schemeClr val="bg1"/>
                 </a:solidFill>
                 <a:latin typeface="배달의민족 주아" pitchFamily="18" charset="-127"/>
                 <a:ea typeface="배달의민족 주아" pitchFamily="18" charset="-127"/>
               </a:rPr>
-              <a:t/>
+            </a:br>
+            <a:r>
+              <a:rPr lang="ko-KR" altLang="en-US" dirty="0">
+                <a:solidFill>
+                  <a:schemeClr val="bg1"/>
+                </a:solidFill>
+                <a:latin typeface="배달의민족 주아" pitchFamily="18" charset="-127"/>
+                <a:ea typeface="배달의민족 주아" pitchFamily="18" charset="-127"/>
+              </a:rPr>
+              <a:t>웹 프로그래밍 </a:t>
+            </a:r>
+            <a:r>
+              <a:rPr lang="en-US" altLang="ko-KR" dirty="0">
+                <a:solidFill>
+                  <a:schemeClr val="bg1"/>
+                </a:solidFill>
+                <a:latin typeface="배달의민족 주아" pitchFamily="18" charset="-127"/>
+                <a:ea typeface="배달의민족 주아" pitchFamily="18" charset="-127"/>
+              </a:rPr>
+              <a:t>1</a:t>
+            </a:r>
+            <a:r>
+              <a:rPr lang="ko-KR" altLang="en-US" dirty="0">
+                <a:solidFill>
+                  <a:schemeClr val="bg1"/>
+                </a:solidFill>
+                <a:latin typeface="배달의민족 주아" pitchFamily="18" charset="-127"/>
+                <a:ea typeface="배달의민족 주아" pitchFamily="18" charset="-127"/>
+              </a:rPr>
+              <a:t>강</a:t>
             </a:r>
             <a:br>
-              <a:rPr lang="en-US" altLang="ko-KR" dirty="0" smtClean="0">
+              <a:rPr lang="en-US" altLang="ko-KR" dirty="0">
                 <a:solidFill>
                   <a:schemeClr val="bg1"/>
                 </a:solidFill>
@@ -3112,71 +3137,15 @@
               </a:rPr>
             </a:br>
             <a:r>
-              <a:rPr lang="ko-KR" altLang="en-US" dirty="0" smtClean="0">
-                <a:solidFill>
-                  <a:schemeClr val="bg1"/>
-                </a:solidFill>
-                <a:latin typeface="배달의민족 주아" pitchFamily="18" charset="-127"/>
-                <a:ea typeface="배달의민족 주아" pitchFamily="18" charset="-127"/>
-              </a:rPr>
-              <a:t>웹 프로그래밍 </a:t>
-            </a:r>
-            <a:r>
-              <a:rPr lang="en-US" altLang="ko-KR" dirty="0" smtClean="0">
-                <a:solidFill>
-                  <a:schemeClr val="bg1"/>
-                </a:solidFill>
-                <a:latin typeface="배달의민족 주아" pitchFamily="18" charset="-127"/>
-                <a:ea typeface="배달의민족 주아" pitchFamily="18" charset="-127"/>
-              </a:rPr>
-              <a:t>1</a:t>
-            </a:r>
-            <a:r>
-              <a:rPr lang="ko-KR" altLang="en-US" dirty="0" smtClean="0">
-                <a:solidFill>
-                  <a:schemeClr val="bg1"/>
-                </a:solidFill>
-                <a:latin typeface="배달의민족 주아" pitchFamily="18" charset="-127"/>
-                <a:ea typeface="배달의민족 주아" pitchFamily="18" charset="-127"/>
-              </a:rPr>
-              <a:t>강</a:t>
-            </a:r>
-            <a:r>
-              <a:rPr lang="en-US" altLang="ko-KR" dirty="0" smtClean="0">
-                <a:solidFill>
-                  <a:schemeClr val="bg1"/>
-                </a:solidFill>
-                <a:latin typeface="배달의민족 주아" pitchFamily="18" charset="-127"/>
-                <a:ea typeface="배달의민족 주아" pitchFamily="18" charset="-127"/>
-              </a:rPr>
-              <a:t/>
-            </a:r>
-            <a:br>
-              <a:rPr lang="en-US" altLang="ko-KR" dirty="0" smtClean="0">
-                <a:solidFill>
-                  <a:schemeClr val="bg1"/>
-                </a:solidFill>
-                <a:latin typeface="배달의민족 주아" pitchFamily="18" charset="-127"/>
-                <a:ea typeface="배달의민족 주아" pitchFamily="18" charset="-127"/>
-              </a:rPr>
-            </a:br>
-            <a:r>
-              <a:rPr lang="ko-KR" altLang="en-US" dirty="0" smtClean="0">
-                <a:solidFill>
-                  <a:schemeClr val="bg1"/>
+              <a:rPr lang="ko-KR" altLang="en-US" dirty="0">
+                <a:solidFill>
+                  <a:schemeClr val="accent6"/>
                 </a:solidFill>
                 <a:latin typeface="배달의민족 주아" pitchFamily="18" charset="-127"/>
                 <a:ea typeface="배달의민족 주아" pitchFamily="18" charset="-127"/>
               </a:rPr>
               <a:t>강의소개</a:t>
             </a:r>
-            <a:endParaRPr lang="ko-KR" altLang="en-US" dirty="0">
-              <a:solidFill>
-                <a:schemeClr val="bg1"/>
-              </a:solidFill>
-              <a:latin typeface="배달의민족 주아" pitchFamily="18" charset="-127"/>
-              <a:ea typeface="배달의민족 주아" pitchFamily="18" charset="-127"/>
-            </a:endParaRPr>
           </a:p>
         </p:txBody>
       </p:sp>
@@ -3203,7 +3172,7 @@
           <a:lstStyle/>
           <a:p>
             <a:r>
-              <a:rPr lang="en-US" altLang="ko-KR" dirty="0" smtClean="0">
+              <a:rPr lang="en-US" altLang="ko-KR" dirty="0">
                 <a:solidFill>
                   <a:schemeClr val="accent5"/>
                 </a:solidFill>
@@ -3213,7 +3182,7 @@
               <a:t>S</a:t>
             </a:r>
             <a:r>
-              <a:rPr lang="en-US" altLang="ko-KR" dirty="0" smtClean="0">
+              <a:rPr lang="en-US" altLang="ko-KR" dirty="0">
                 <a:solidFill>
                   <a:schemeClr val="bg1"/>
                 </a:solidFill>
@@ -3223,7 +3192,7 @@
               <a:t>TART</a:t>
             </a:r>
             <a:r>
-              <a:rPr lang="en-US" altLang="ko-KR" dirty="0" smtClean="0">
+              <a:rPr lang="en-US" altLang="ko-KR" dirty="0">
                 <a:solidFill>
                   <a:schemeClr val="accent5"/>
                 </a:solidFill>
@@ -3233,7 +3202,7 @@
               <a:t>C</a:t>
             </a:r>
             <a:r>
-              <a:rPr lang="en-US" altLang="ko-KR" dirty="0" smtClean="0">
+              <a:rPr lang="en-US" altLang="ko-KR" dirty="0">
                 <a:solidFill>
                   <a:schemeClr val="bg1"/>
                 </a:solidFill>
@@ -3262,13 +3231,6 @@
   <p:clrMapOvr>
     <a:masterClrMapping/>
   </p:clrMapOvr>
-  <p:timing>
-    <p:tnLst>
-      <p:par>
-        <p:cTn id="1" dur="indefinite" restart="never" nodeType="tmRoot"/>
-      </p:par>
-    </p:tnLst>
-  </p:timing>
 </p:sld>
 </file>
 
@@ -3291,49 +3253,6 @@
       </p:grpSpPr>
       <p:sp>
         <p:nvSpPr>
-          <p:cNvPr id="2" name="제목 1"/>
-          <p:cNvSpPr>
-            <a:spLocks noGrp="1"/>
-          </p:cNvSpPr>
-          <p:nvPr>
-            <p:ph type="ctrTitle"/>
-          </p:nvPr>
-        </p:nvSpPr>
-        <p:spPr>
-          <a:xfrm>
-            <a:off x="755576" y="2780928"/>
-            <a:ext cx="7772400" cy="1470025"/>
-          </a:xfrm>
-        </p:spPr>
-        <p:txBody>
-          <a:bodyPr>
-            <a:normAutofit/>
-          </a:bodyPr>
-          <a:lstStyle/>
-          <a:p>
-            <a:r>
-              <a:rPr lang="ko-KR" altLang="en-US" dirty="0" err="1" smtClean="0">
-                <a:latin typeface="배달의민족 주아" pitchFamily="18" charset="-127"/>
-                <a:ea typeface="배달의민족 주아" pitchFamily="18" charset="-127"/>
-              </a:rPr>
-              <a:t>웹브라우저가</a:t>
-            </a:r>
-            <a:r>
-              <a:rPr lang="ko-KR" altLang="en-US" dirty="0" smtClean="0">
-                <a:latin typeface="배달의민족 주아" pitchFamily="18" charset="-127"/>
-                <a:ea typeface="배달의민족 주아" pitchFamily="18" charset="-127"/>
-              </a:rPr>
-              <a:t> 이해할 수 있는 언어로 화면을 만드는 분야</a:t>
-            </a:r>
-            <a:endParaRPr lang="ko-KR" altLang="en-US" dirty="0">
-              <a:latin typeface="배달의민족 주아" pitchFamily="18" charset="-127"/>
-              <a:ea typeface="배달의민족 주아" pitchFamily="18" charset="-127"/>
-            </a:endParaRPr>
-          </a:p>
-        </p:txBody>
-      </p:sp>
-      <p:sp>
-        <p:nvSpPr>
           <p:cNvPr id="3" name="제목 1"/>
           <p:cNvSpPr txBox="1">
             <a:spLocks/>
@@ -3371,20 +3290,13 @@
           </a:lstStyle>
           <a:p>
             <a:r>
-              <a:rPr lang="ko-KR" altLang="en-US" sz="4000" dirty="0" err="1" smtClean="0">
-                <a:latin typeface="배달의민족 주아" pitchFamily="18" charset="-127"/>
-                <a:ea typeface="배달의민족 주아" pitchFamily="18" charset="-127"/>
-              </a:rPr>
-              <a:t>프론트엔</a:t>
-            </a:r>
-            <a:r>
-              <a:rPr lang="ko-KR" altLang="en-US" sz="4000" dirty="0" err="1">
-                <a:latin typeface="배달의민족 주아" pitchFamily="18" charset="-127"/>
-                <a:ea typeface="배달의민족 주아" pitchFamily="18" charset="-127"/>
-              </a:rPr>
-              <a:t>드</a:t>
-            </a:r>
-            <a:endParaRPr lang="ko-KR" altLang="en-US" sz="4000" dirty="0">
+              <a:rPr lang="ko-KR" altLang="en-US" dirty="0" err="1">
+                <a:latin typeface="배달의민족 주아" pitchFamily="18" charset="-127"/>
+                <a:ea typeface="배달의민족 주아" pitchFamily="18" charset="-127"/>
+              </a:rPr>
+              <a:t>프론트엔드</a:t>
+            </a:r>
+            <a:endParaRPr lang="ko-KR" altLang="en-US" dirty="0">
               <a:latin typeface="배달의민족 주아" pitchFamily="18" charset="-127"/>
               <a:ea typeface="배달의민족 주아" pitchFamily="18" charset="-127"/>
             </a:endParaRPr>
@@ -3414,7 +3326,7 @@
           <a:lstStyle/>
           <a:p>
             <a:r>
-              <a:rPr lang="en-US" altLang="ko-KR" dirty="0" smtClean="0">
+              <a:rPr lang="en-US" altLang="ko-KR" dirty="0">
                 <a:solidFill>
                   <a:schemeClr val="accent5"/>
                 </a:solidFill>
@@ -3424,14 +3336,14 @@
               <a:t>S</a:t>
             </a:r>
             <a:r>
-              <a:rPr lang="en-US" altLang="ko-KR" dirty="0" smtClean="0">
+              <a:rPr lang="en-US" altLang="ko-KR" dirty="0">
                 <a:latin typeface="배달의민족 도현" pitchFamily="50" charset="-127"/>
                 <a:ea typeface="배달의민족 도현" pitchFamily="50" charset="-127"/>
               </a:rPr>
               <a:t>TART</a:t>
             </a:r>
             <a:r>
-              <a:rPr lang="en-US" altLang="ko-KR" dirty="0" smtClean="0">
+              <a:rPr lang="en-US" altLang="ko-KR" dirty="0">
                 <a:solidFill>
                   <a:schemeClr val="accent5"/>
                 </a:solidFill>
@@ -3441,299 +3353,7 @@
               <a:t>C</a:t>
             </a:r>
             <a:r>
-              <a:rPr lang="en-US" altLang="ko-KR" dirty="0" smtClean="0">
-                <a:latin typeface="배달의민족 도현" pitchFamily="50" charset="-127"/>
-                <a:ea typeface="배달의민족 도현" pitchFamily="50" charset="-127"/>
-              </a:rPr>
-              <a:t>ODING</a:t>
-            </a:r>
-            <a:endParaRPr lang="ko-KR" altLang="en-US" dirty="0">
-              <a:latin typeface="배달의민족 도현" pitchFamily="50" charset="-127"/>
-              <a:ea typeface="배달의민족 도현" pitchFamily="50" charset="-127"/>
-            </a:endParaRPr>
-          </a:p>
-        </p:txBody>
-      </p:sp>
-    </p:spTree>
-    <p:extLst>
-      <p:ext uri="{BB962C8B-B14F-4D97-AF65-F5344CB8AC3E}">
-        <p14:creationId xmlns:p14="http://schemas.microsoft.com/office/powerpoint/2010/main" val="4096364112"/>
-      </p:ext>
-    </p:extLst>
-  </p:cSld>
-  <p:clrMapOvr>
-    <a:masterClrMapping/>
-  </p:clrMapOvr>
-  <p:timing>
-    <p:tnLst>
-      <p:par>
-        <p:cTn id="1" dur="indefinite" restart="never" nodeType="tmRoot">
-          <p:childTnLst>
-            <p:seq concurrent="1" nextAc="seek">
-              <p:cTn id="2" dur="indefinite" nodeType="mainSeq">
-                <p:childTnLst>
-                  <p:par>
-                    <p:cTn id="3" fill="hold">
-                      <p:stCondLst>
-                        <p:cond delay="indefinite"/>
-                      </p:stCondLst>
-                      <p:childTnLst>
-                        <p:par>
-                          <p:cTn id="4" fill="hold">
-                            <p:stCondLst>
-                              <p:cond delay="0"/>
-                            </p:stCondLst>
-                            <p:childTnLst>
-                              <p:par>
-                                <p:cTn id="5" presetID="10" presetClass="entr" presetSubtype="0" fill="hold" grpId="0" nodeType="clickEffect">
-                                  <p:stCondLst>
-                                    <p:cond delay="0"/>
-                                  </p:stCondLst>
-                                  <p:childTnLst>
-                                    <p:set>
-                                      <p:cBhvr>
-                                        <p:cTn id="6" dur="1" fill="hold">
-                                          <p:stCondLst>
-                                            <p:cond delay="0"/>
-                                          </p:stCondLst>
-                                        </p:cTn>
-                                        <p:tgtEl>
-                                          <p:spTgt spid="3"/>
-                                        </p:tgtEl>
-                                        <p:attrNameLst>
-                                          <p:attrName>style.visibility</p:attrName>
-                                        </p:attrNameLst>
-                                      </p:cBhvr>
-                                      <p:to>
-                                        <p:strVal val="visible"/>
-                                      </p:to>
-                                    </p:set>
-                                    <p:animEffect transition="in" filter="fade">
-                                      <p:cBhvr>
-                                        <p:cTn id="7" dur="500"/>
-                                        <p:tgtEl>
-                                          <p:spTgt spid="3"/>
-                                        </p:tgtEl>
-                                      </p:cBhvr>
-                                    </p:animEffect>
-                                  </p:childTnLst>
-                                </p:cTn>
-                              </p:par>
-                            </p:childTnLst>
-                          </p:cTn>
-                        </p:par>
-                      </p:childTnLst>
-                    </p:cTn>
-                  </p:par>
-                  <p:par>
-                    <p:cTn id="8" fill="hold">
-                      <p:stCondLst>
-                        <p:cond delay="indefinite"/>
-                      </p:stCondLst>
-                      <p:childTnLst>
-                        <p:par>
-                          <p:cTn id="9" fill="hold">
-                            <p:stCondLst>
-                              <p:cond delay="0"/>
-                            </p:stCondLst>
-                            <p:childTnLst>
-                              <p:par>
-                                <p:cTn id="10" presetID="10" presetClass="entr" presetSubtype="0" fill="hold" grpId="0" nodeType="clickEffect">
-                                  <p:stCondLst>
-                                    <p:cond delay="0"/>
-                                  </p:stCondLst>
-                                  <p:childTnLst>
-                                    <p:set>
-                                      <p:cBhvr>
-                                        <p:cTn id="11" dur="1" fill="hold">
-                                          <p:stCondLst>
-                                            <p:cond delay="0"/>
-                                          </p:stCondLst>
-                                        </p:cTn>
-                                        <p:tgtEl>
-                                          <p:spTgt spid="2"/>
-                                        </p:tgtEl>
-                                        <p:attrNameLst>
-                                          <p:attrName>style.visibility</p:attrName>
-                                        </p:attrNameLst>
-                                      </p:cBhvr>
-                                      <p:to>
-                                        <p:strVal val="visible"/>
-                                      </p:to>
-                                    </p:set>
-                                    <p:animEffect transition="in" filter="fade">
-                                      <p:cBhvr>
-                                        <p:cTn id="12" dur="500"/>
-                                        <p:tgtEl>
-                                          <p:spTgt spid="2"/>
-                                        </p:tgtEl>
-                                      </p:cBhvr>
-                                    </p:animEffect>
-                                  </p:childTnLst>
-                                </p:cTn>
-                              </p:par>
-                            </p:childTnLst>
-                          </p:cTn>
-                        </p:par>
-                      </p:childTnLst>
-                    </p:cTn>
-                  </p:par>
-                </p:childTnLst>
-              </p:cTn>
-              <p:prevCondLst>
-                <p:cond evt="onPrev" delay="0">
-                  <p:tgtEl>
-                    <p:sldTgt/>
-                  </p:tgtEl>
-                </p:cond>
-              </p:prevCondLst>
-              <p:nextCondLst>
-                <p:cond evt="onNext" delay="0">
-                  <p:tgtEl>
-                    <p:sldTgt/>
-                  </p:tgtEl>
-                </p:cond>
-              </p:nextCondLst>
-            </p:seq>
-          </p:childTnLst>
-        </p:cTn>
-      </p:par>
-    </p:tnLst>
-    <p:bldLst>
-      <p:bldP spid="2" grpId="0"/>
-      <p:bldP spid="3" grpId="0"/>
-    </p:bldLst>
-  </p:timing>
-</p:sld>
-</file>
-
-<file path=ppt/slides/slide11.xml><?xml version="1.0" encoding="utf-8"?>
-<p:sld xmlns:a="http://schemas.openxmlformats.org/drawingml/2006/main" xmlns:r="http://schemas.openxmlformats.org/officeDocument/2006/relationships" xmlns:p="http://schemas.openxmlformats.org/presentationml/2006/main">
-  <p:cSld>
-    <p:spTree>
-      <p:nvGrpSpPr>
-        <p:cNvPr id="1" name=""/>
-        <p:cNvGrpSpPr/>
-        <p:nvPr/>
-      </p:nvGrpSpPr>
-      <p:grpSpPr>
-        <a:xfrm>
-          <a:off x="0" y="0"/>
-          <a:ext cx="0" cy="0"/>
-          <a:chOff x="0" y="0"/>
-          <a:chExt cx="0" cy="0"/>
-        </a:xfrm>
-      </p:grpSpPr>
-      <p:sp>
-        <p:nvSpPr>
-          <p:cNvPr id="3" name="제목 1"/>
-          <p:cNvSpPr txBox="1">
-            <a:spLocks/>
-          </p:cNvSpPr>
-          <p:nvPr/>
-        </p:nvSpPr>
-        <p:spPr>
-          <a:xfrm>
-            <a:off x="734470" y="1484784"/>
-            <a:ext cx="7772400" cy="1470025"/>
-          </a:xfrm>
-          <a:prstGeom prst="rect">
-            <a:avLst/>
-          </a:prstGeom>
-        </p:spPr>
-        <p:txBody>
-          <a:bodyPr vert="horz" lIns="91440" tIns="45720" rIns="91440" bIns="45720" rtlCol="0" anchor="ctr">
-            <a:normAutofit/>
-          </a:bodyPr>
-          <a:lstStyle>
-            <a:lvl1pPr algn="ctr" defTabSz="914400" rtl="0" eaLnBrk="1" latinLnBrk="1" hangingPunct="1">
-              <a:spcBef>
-                <a:spcPct val="0"/>
-              </a:spcBef>
-              <a:buNone/>
-              <a:defRPr sz="4400" kern="1200">
-                <a:solidFill>
-                  <a:schemeClr val="tx1"/>
-                </a:solidFill>
-                <a:latin typeface="+mj-lt"/>
-                <a:ea typeface="+mj-ea"/>
-                <a:cs typeface="+mj-cs"/>
-              </a:defRPr>
-            </a:lvl1pPr>
-          </a:lstStyle>
-          <a:p>
-            <a:r>
-              <a:rPr lang="ko-KR" altLang="en-US" sz="4000" dirty="0" err="1" smtClean="0">
-                <a:latin typeface="배달의민족 주아" pitchFamily="18" charset="-127"/>
-                <a:ea typeface="배달의민족 주아" pitchFamily="18" charset="-127"/>
-              </a:rPr>
-              <a:t>프론트엔</a:t>
-            </a:r>
-            <a:r>
-              <a:rPr lang="ko-KR" altLang="en-US" sz="4000" dirty="0" err="1">
-                <a:latin typeface="배달의민족 주아" pitchFamily="18" charset="-127"/>
-                <a:ea typeface="배달의민족 주아" pitchFamily="18" charset="-127"/>
-              </a:rPr>
-              <a:t>드</a:t>
-            </a:r>
-            <a:endParaRPr lang="ko-KR" altLang="en-US" sz="4000" dirty="0">
-              <a:latin typeface="배달의민족 주아" pitchFamily="18" charset="-127"/>
-              <a:ea typeface="배달의민족 주아" pitchFamily="18" charset="-127"/>
-            </a:endParaRPr>
-          </a:p>
-        </p:txBody>
-      </p:sp>
-      <p:sp>
-        <p:nvSpPr>
-          <p:cNvPr id="4" name="TextBox 3"/>
-          <p:cNvSpPr txBox="1"/>
-          <p:nvPr/>
-        </p:nvSpPr>
-        <p:spPr>
-          <a:xfrm>
-            <a:off x="6588224" y="6165304"/>
-            <a:ext cx="1838965" cy="369332"/>
-          </a:xfrm>
-          <a:prstGeom prst="rect">
-            <a:avLst/>
-          </a:prstGeom>
-          <a:noFill/>
-        </p:spPr>
-        <p:txBody>
-          <a:bodyPr wrap="none" rtlCol="0">
-            <a:spAutoFit/>
-          </a:bodyPr>
-          <a:lstStyle/>
-          <a:p>
-            <a:r>
-              <a:rPr lang="en-US" altLang="ko-KR" dirty="0" smtClean="0">
-                <a:solidFill>
-                  <a:schemeClr val="accent5"/>
-                </a:solidFill>
-                <a:latin typeface="배달의민족 도현" pitchFamily="50" charset="-127"/>
-                <a:ea typeface="배달의민족 도현" pitchFamily="50" charset="-127"/>
-              </a:rPr>
-              <a:t>S</a:t>
-            </a:r>
-            <a:r>
-              <a:rPr lang="en-US" altLang="ko-KR" dirty="0" smtClean="0">
-                <a:latin typeface="배달의민족 도현" pitchFamily="50" charset="-127"/>
-                <a:ea typeface="배달의민족 도현" pitchFamily="50" charset="-127"/>
-              </a:rPr>
-              <a:t>TART</a:t>
-            </a:r>
-            <a:r>
-              <a:rPr lang="en-US" altLang="ko-KR" dirty="0" smtClean="0">
-                <a:solidFill>
-                  <a:schemeClr val="accent5"/>
-                </a:solidFill>
-                <a:latin typeface="배달의민족 도현" pitchFamily="50" charset="-127"/>
-                <a:ea typeface="배달의민족 도현" pitchFamily="50" charset="-127"/>
-              </a:rPr>
-              <a:t>C</a:t>
-            </a:r>
-            <a:r>
-              <a:rPr lang="en-US" altLang="ko-KR" dirty="0" smtClean="0">
+              <a:rPr lang="en-US" altLang="ko-KR" dirty="0">
                 <a:latin typeface="배달의민족 도현" pitchFamily="50" charset="-127"/>
                 <a:ea typeface="배달의민족 도현" pitchFamily="50" charset="-127"/>
               </a:rPr>
@@ -3869,6 +3489,64 @@
           </a:extLst>
         </p:spPr>
       </p:pic>
+      <p:sp>
+        <p:nvSpPr>
+          <p:cNvPr id="7" name="직사각형 6">
+            <a:extLst>
+              <a:ext uri="{FF2B5EF4-FFF2-40B4-BE49-F238E27FC236}">
+                <a16:creationId xmlns:a16="http://schemas.microsoft.com/office/drawing/2014/main" id="{7940E2E2-2AB3-49E9-A8B2-76374A18C8D8}"/>
+              </a:ext>
+            </a:extLst>
+          </p:cNvPr>
+          <p:cNvSpPr/>
+          <p:nvPr/>
+        </p:nvSpPr>
+        <p:spPr>
+          <a:xfrm>
+            <a:off x="107504" y="116632"/>
+            <a:ext cx="2880320" cy="646331"/>
+          </a:xfrm>
+          <a:prstGeom prst="rect">
+            <a:avLst/>
+          </a:prstGeom>
+        </p:spPr>
+        <p:txBody>
+          <a:bodyPr wrap="square">
+            <a:spAutoFit/>
+          </a:bodyPr>
+          <a:lstStyle/>
+          <a:p>
+            <a:r>
+              <a:rPr lang="en-US" altLang="ko-KR" dirty="0">
+                <a:latin typeface="배달의민족 주아" pitchFamily="18" charset="-127"/>
+                <a:ea typeface="배달의민족 주아" pitchFamily="18" charset="-127"/>
+              </a:rPr>
+              <a:t>2. </a:t>
+            </a:r>
+            <a:r>
+              <a:rPr lang="ko-KR" altLang="en-US" dirty="0">
+                <a:latin typeface="배달의민족 주아" pitchFamily="18" charset="-127"/>
+                <a:ea typeface="배달의민족 주아" pitchFamily="18" charset="-127"/>
+              </a:rPr>
+              <a:t>웹 프로그래밍이란 무엇인가</a:t>
+            </a:r>
+            <a:r>
+              <a:rPr lang="en-US" altLang="ko-KR" dirty="0">
+                <a:latin typeface="배달의민족 주아" pitchFamily="18" charset="-127"/>
+                <a:ea typeface="배달의민족 주아" pitchFamily="18" charset="-127"/>
+              </a:rPr>
+              <a:t>?</a:t>
+            </a:r>
+            <a:br>
+              <a:rPr lang="en-US" altLang="ko-KR" dirty="0">
+                <a:latin typeface="배달의민족 주아" pitchFamily="18" charset="-127"/>
+                <a:ea typeface="배달의민족 주아" pitchFamily="18" charset="-127"/>
+              </a:rPr>
+            </a:br>
+            <a:endParaRPr lang="ko-KR" altLang="en-US" dirty="0"/>
+          </a:p>
+        </p:txBody>
+      </p:sp>
     </p:spTree>
     <p:extLst>
       <p:ext uri="{BB962C8B-B14F-4D97-AF65-F5344CB8AC3E}">
@@ -3879,17 +3557,10 @@
   <p:clrMapOvr>
     <a:masterClrMapping/>
   </p:clrMapOvr>
-  <p:timing>
-    <p:tnLst>
-      <p:par>
-        <p:cTn id="1" dur="indefinite" restart="never" nodeType="tmRoot"/>
-      </p:par>
-    </p:tnLst>
-  </p:timing>
 </p:sld>
 </file>
 
-<file path=ppt/slides/slide12.xml><?xml version="1.0" encoding="utf-8"?>
+<file path=ppt/slides/slide11.xml><?xml version="1.0" encoding="utf-8"?>
 <p:sld xmlns:a="http://schemas.openxmlformats.org/drawingml/2006/main" xmlns:r="http://schemas.openxmlformats.org/officeDocument/2006/relationships" xmlns:p="http://schemas.openxmlformats.org/presentationml/2006/main">
   <p:cSld>
     <p:spTree>
@@ -3945,13 +3616,13 @@
           </a:lstStyle>
           <a:p>
             <a:r>
-              <a:rPr lang="ko-KR" altLang="en-US" sz="4000" dirty="0" err="1" smtClean="0">
+              <a:rPr lang="ko-KR" altLang="en-US" dirty="0" err="1">
                 <a:latin typeface="배달의민족 주아" pitchFamily="18" charset="-127"/>
                 <a:ea typeface="배달의민족 주아" pitchFamily="18" charset="-127"/>
               </a:rPr>
               <a:t>백엔드</a:t>
             </a:r>
-            <a:endParaRPr lang="ko-KR" altLang="en-US" sz="4000" dirty="0">
+            <a:endParaRPr lang="ko-KR" altLang="en-US" dirty="0">
               <a:latin typeface="배달의민족 주아" pitchFamily="18" charset="-127"/>
               <a:ea typeface="배달의민족 주아" pitchFamily="18" charset="-127"/>
             </a:endParaRPr>
@@ -3981,7 +3652,7 @@
           <a:lstStyle/>
           <a:p>
             <a:r>
-              <a:rPr lang="en-US" altLang="ko-KR" dirty="0" smtClean="0">
+              <a:rPr lang="en-US" altLang="ko-KR" dirty="0">
                 <a:solidFill>
                   <a:schemeClr val="accent5"/>
                 </a:solidFill>
@@ -3991,14 +3662,14 @@
               <a:t>S</a:t>
             </a:r>
             <a:r>
-              <a:rPr lang="en-US" altLang="ko-KR" dirty="0" smtClean="0">
+              <a:rPr lang="en-US" altLang="ko-KR" dirty="0">
                 <a:latin typeface="배달의민족 도현" pitchFamily="50" charset="-127"/>
                 <a:ea typeface="배달의민족 도현" pitchFamily="50" charset="-127"/>
               </a:rPr>
               <a:t>TART</a:t>
             </a:r>
             <a:r>
-              <a:rPr lang="en-US" altLang="ko-KR" dirty="0" smtClean="0">
+              <a:rPr lang="en-US" altLang="ko-KR" dirty="0">
                 <a:solidFill>
                   <a:schemeClr val="accent5"/>
                 </a:solidFill>
@@ -4008,7 +3679,7 @@
               <a:t>C</a:t>
             </a:r>
             <a:r>
-              <a:rPr lang="en-US" altLang="ko-KR" dirty="0" smtClean="0">
+              <a:rPr lang="en-US" altLang="ko-KR" dirty="0">
                 <a:latin typeface="배달의민족 도현" pitchFamily="50" charset="-127"/>
                 <a:ea typeface="배달의민족 도현" pitchFamily="50" charset="-127"/>
               </a:rPr>
@@ -4044,44 +3715,98 @@
           <a:lstStyle/>
           <a:p>
             <a:r>
-              <a:rPr lang="ko-KR" altLang="en-US" dirty="0" smtClean="0">
+              <a:rPr lang="ko-KR" altLang="en-US" sz="3200" dirty="0">
                 <a:latin typeface="배달의민족 주아" pitchFamily="18" charset="-127"/>
                 <a:ea typeface="배달의민족 주아" pitchFamily="18" charset="-127"/>
               </a:rPr>
               <a:t>서버</a:t>
             </a:r>
             <a:r>
-              <a:rPr lang="en-US" altLang="ko-KR" dirty="0" smtClean="0">
+              <a:rPr lang="en-US" altLang="ko-KR" sz="3200" dirty="0">
                 <a:latin typeface="배달의민족 주아" pitchFamily="18" charset="-127"/>
                 <a:ea typeface="배달의민족 주아" pitchFamily="18" charset="-127"/>
               </a:rPr>
               <a:t>, </a:t>
             </a:r>
             <a:r>
-              <a:rPr lang="ko-KR" altLang="en-US" dirty="0" smtClean="0">
+              <a:rPr lang="ko-KR" altLang="en-US" sz="3200" dirty="0">
                 <a:latin typeface="배달의민족 주아" pitchFamily="18" charset="-127"/>
                 <a:ea typeface="배달의민족 주아" pitchFamily="18" charset="-127"/>
               </a:rPr>
               <a:t>데이터베이스</a:t>
             </a:r>
             <a:r>
-              <a:rPr lang="en-US" altLang="ko-KR" dirty="0" smtClean="0">
+              <a:rPr lang="en-US" altLang="ko-KR" sz="3200" dirty="0">
                 <a:latin typeface="배달의민족 주아" pitchFamily="18" charset="-127"/>
                 <a:ea typeface="배달의민족 주아" pitchFamily="18" charset="-127"/>
               </a:rPr>
               <a:t>, </a:t>
             </a:r>
             <a:r>
-              <a:rPr lang="ko-KR" altLang="en-US" dirty="0" smtClean="0">
+              <a:rPr lang="ko-KR" altLang="en-US" sz="3200" dirty="0">
                 <a:latin typeface="배달의민족 주아" pitchFamily="18" charset="-127"/>
                 <a:ea typeface="배달의민족 주아" pitchFamily="18" charset="-127"/>
               </a:rPr>
               <a:t>통신 등 화면 뒤에서 필요한 작업을 하는 분야</a:t>
             </a:r>
-            <a:endParaRPr lang="ko-KR" altLang="en-US" dirty="0">
-              <a:latin typeface="배달의민족 주아" pitchFamily="18" charset="-127"/>
-              <a:ea typeface="배달의민족 주아" pitchFamily="18" charset="-127"/>
-            </a:endParaRPr>
+          </a:p>
+        </p:txBody>
+      </p:sp>
+      <p:sp>
+        <p:nvSpPr>
+          <p:cNvPr id="5" name="직사각형 4">
+            <a:extLst>
+              <a:ext uri="{FF2B5EF4-FFF2-40B4-BE49-F238E27FC236}">
+                <a16:creationId xmlns:a16="http://schemas.microsoft.com/office/drawing/2014/main" id="{8C991BAA-C055-49E3-B2BF-AB62AE815EC2}"/>
+              </a:ext>
+            </a:extLst>
+          </p:cNvPr>
+          <p:cNvSpPr/>
+          <p:nvPr/>
+        </p:nvSpPr>
+        <p:spPr>
+          <a:xfrm>
+            <a:off x="107504" y="116632"/>
+            <a:ext cx="2880320" cy="646331"/>
+          </a:xfrm>
+          <a:prstGeom prst="rect">
+            <a:avLst/>
+          </a:prstGeom>
+        </p:spPr>
+        <p:txBody>
+          <a:bodyPr wrap="square">
+            <a:spAutoFit/>
+          </a:bodyPr>
+          <a:lstStyle/>
+          <a:p>
+            <a:r>
+              <a:rPr lang="en-US" altLang="ko-KR" dirty="0">
+                <a:latin typeface="배달의민족 주아" pitchFamily="18" charset="-127"/>
+                <a:ea typeface="배달의민족 주아" pitchFamily="18" charset="-127"/>
+              </a:rPr>
+              <a:t>2. </a:t>
+            </a:r>
+            <a:r>
+              <a:rPr lang="ko-KR" altLang="en-US" dirty="0">
+                <a:latin typeface="배달의민족 주아" pitchFamily="18" charset="-127"/>
+                <a:ea typeface="배달의민족 주아" pitchFamily="18" charset="-127"/>
+              </a:rPr>
+              <a:t>웹 프로그래밍이란 무엇인가</a:t>
+            </a:r>
+            <a:r>
+              <a:rPr lang="en-US" altLang="ko-KR" dirty="0">
+                <a:latin typeface="배달의민족 주아" pitchFamily="18" charset="-127"/>
+                <a:ea typeface="배달의민족 주아" pitchFamily="18" charset="-127"/>
+              </a:rPr>
+              <a:t>?</a:t>
+            </a:r>
+            <a:br>
+              <a:rPr lang="en-US" altLang="ko-KR" dirty="0">
+                <a:latin typeface="배달의민족 주아" pitchFamily="18" charset="-127"/>
+                <a:ea typeface="배달의민족 주아" pitchFamily="18" charset="-127"/>
+              </a:rPr>
+            </a:br>
+            <a:endParaRPr lang="ko-KR" altLang="en-US" dirty="0"/>
           </a:p>
         </p:txBody>
       </p:sp>
@@ -4120,6 +3845,9 @@
                                   <p:stCondLst>
                                     <p:cond delay="0"/>
                                   </p:stCondLst>
+                                  <p:iterate type="lt">
+                                    <p:tmPct val="10000"/>
+                                  </p:iterate>
                                   <p:childTnLst>
                                     <p:set>
                                       <p:cBhvr>
@@ -4184,7 +3912,7 @@
 </p:sld>
 </file>
 
-<file path=ppt/slides/slide13.xml><?xml version="1.0" encoding="utf-8"?>
+<file path=ppt/slides/slide12.xml><?xml version="1.0" encoding="utf-8"?>
 <p:sld xmlns:a="http://schemas.openxmlformats.org/drawingml/2006/main" xmlns:r="http://schemas.openxmlformats.org/officeDocument/2006/relationships" xmlns:p="http://schemas.openxmlformats.org/presentationml/2006/main">
   <p:cSld>
     <p:spTree>
@@ -4240,13 +3968,13 @@
           </a:lstStyle>
           <a:p>
             <a:r>
-              <a:rPr lang="ko-KR" altLang="en-US" sz="4000" dirty="0" err="1" smtClean="0">
+              <a:rPr lang="ko-KR" altLang="en-US" dirty="0" err="1">
                 <a:latin typeface="배달의민족 주아" pitchFamily="18" charset="-127"/>
                 <a:ea typeface="배달의민족 주아" pitchFamily="18" charset="-127"/>
               </a:rPr>
               <a:t>백엔드</a:t>
             </a:r>
-            <a:endParaRPr lang="ko-KR" altLang="en-US" sz="4000" dirty="0">
+            <a:endParaRPr lang="ko-KR" altLang="en-US" dirty="0">
               <a:latin typeface="배달의민족 주아" pitchFamily="18" charset="-127"/>
               <a:ea typeface="배달의민족 주아" pitchFamily="18" charset="-127"/>
             </a:endParaRPr>
@@ -4276,7 +4004,7 @@
           <a:lstStyle/>
           <a:p>
             <a:r>
-              <a:rPr lang="en-US" altLang="ko-KR" dirty="0" smtClean="0">
+              <a:rPr lang="en-US" altLang="ko-KR" dirty="0">
                 <a:solidFill>
                   <a:schemeClr val="accent5"/>
                 </a:solidFill>
@@ -4286,14 +4014,14 @@
               <a:t>S</a:t>
             </a:r>
             <a:r>
-              <a:rPr lang="en-US" altLang="ko-KR" dirty="0" smtClean="0">
+              <a:rPr lang="en-US" altLang="ko-KR" dirty="0">
                 <a:latin typeface="배달의민족 도현" pitchFamily="50" charset="-127"/>
                 <a:ea typeface="배달의민족 도현" pitchFamily="50" charset="-127"/>
               </a:rPr>
               <a:t>TART</a:t>
             </a:r>
             <a:r>
-              <a:rPr lang="en-US" altLang="ko-KR" dirty="0" smtClean="0">
+              <a:rPr lang="en-US" altLang="ko-KR" dirty="0">
                 <a:solidFill>
                   <a:schemeClr val="accent5"/>
                 </a:solidFill>
@@ -4303,7 +4031,7 @@
               <a:t>C</a:t>
             </a:r>
             <a:r>
-              <a:rPr lang="en-US" altLang="ko-KR" dirty="0" smtClean="0">
+              <a:rPr lang="en-US" altLang="ko-KR" dirty="0">
                 <a:latin typeface="배달의민족 도현" pitchFamily="50" charset="-127"/>
                 <a:ea typeface="배달의민족 도현" pitchFamily="50" charset="-127"/>
               </a:rPr>
@@ -4480,6 +4208,64 @@
           </a:extLst>
         </p:spPr>
       </p:pic>
+      <p:sp>
+        <p:nvSpPr>
+          <p:cNvPr id="9" name="직사각형 8">
+            <a:extLst>
+              <a:ext uri="{FF2B5EF4-FFF2-40B4-BE49-F238E27FC236}">
+                <a16:creationId xmlns:a16="http://schemas.microsoft.com/office/drawing/2014/main" id="{CE3643F3-6509-4A16-B27E-EAD8157D0F26}"/>
+              </a:ext>
+            </a:extLst>
+          </p:cNvPr>
+          <p:cNvSpPr/>
+          <p:nvPr/>
+        </p:nvSpPr>
+        <p:spPr>
+          <a:xfrm>
+            <a:off x="107504" y="116632"/>
+            <a:ext cx="2880320" cy="646331"/>
+          </a:xfrm>
+          <a:prstGeom prst="rect">
+            <a:avLst/>
+          </a:prstGeom>
+        </p:spPr>
+        <p:txBody>
+          <a:bodyPr wrap="square">
+            <a:spAutoFit/>
+          </a:bodyPr>
+          <a:lstStyle/>
+          <a:p>
+            <a:r>
+              <a:rPr lang="en-US" altLang="ko-KR" dirty="0">
+                <a:latin typeface="배달의민족 주아" pitchFamily="18" charset="-127"/>
+                <a:ea typeface="배달의민족 주아" pitchFamily="18" charset="-127"/>
+              </a:rPr>
+              <a:t>2. </a:t>
+            </a:r>
+            <a:r>
+              <a:rPr lang="ko-KR" altLang="en-US" dirty="0">
+                <a:latin typeface="배달의민족 주아" pitchFamily="18" charset="-127"/>
+                <a:ea typeface="배달의민족 주아" pitchFamily="18" charset="-127"/>
+              </a:rPr>
+              <a:t>웹 프로그래밍이란 무엇인가</a:t>
+            </a:r>
+            <a:r>
+              <a:rPr lang="en-US" altLang="ko-KR" dirty="0">
+                <a:latin typeface="배달의민족 주아" pitchFamily="18" charset="-127"/>
+                <a:ea typeface="배달의민족 주아" pitchFamily="18" charset="-127"/>
+              </a:rPr>
+              <a:t>?</a:t>
+            </a:r>
+            <a:br>
+              <a:rPr lang="en-US" altLang="ko-KR" dirty="0">
+                <a:latin typeface="배달의민족 주아" pitchFamily="18" charset="-127"/>
+                <a:ea typeface="배달의민족 주아" pitchFamily="18" charset="-127"/>
+              </a:rPr>
+            </a:br>
+            <a:endParaRPr lang="ko-KR" altLang="en-US" dirty="0"/>
+          </a:p>
+        </p:txBody>
+      </p:sp>
     </p:spTree>
     <p:extLst>
       <p:ext uri="{BB962C8B-B14F-4D97-AF65-F5344CB8AC3E}">
@@ -4681,6 +4467,198 @@
 </p:sld>
 </file>
 
+<file path=ppt/slides/slide13.xml><?xml version="1.0" encoding="utf-8"?>
+<p:sld xmlns:a="http://schemas.openxmlformats.org/drawingml/2006/main" xmlns:r="http://schemas.openxmlformats.org/officeDocument/2006/relationships" xmlns:p="http://schemas.openxmlformats.org/presentationml/2006/main">
+  <p:cSld>
+    <p:spTree>
+      <p:nvGrpSpPr>
+        <p:cNvPr id="1" name=""/>
+        <p:cNvGrpSpPr/>
+        <p:nvPr/>
+      </p:nvGrpSpPr>
+      <p:grpSpPr>
+        <a:xfrm>
+          <a:off x="0" y="0"/>
+          <a:ext cx="0" cy="0"/>
+          <a:chOff x="0" y="0"/>
+          <a:chExt cx="0" cy="0"/>
+        </a:xfrm>
+      </p:grpSpPr>
+      <p:sp>
+        <p:nvSpPr>
+          <p:cNvPr id="3" name="TextBox 2"/>
+          <p:cNvSpPr txBox="1"/>
+          <p:nvPr/>
+        </p:nvSpPr>
+        <p:spPr>
+          <a:xfrm>
+            <a:off x="6588224" y="6165304"/>
+            <a:ext cx="1838965" cy="369332"/>
+          </a:xfrm>
+          <a:prstGeom prst="rect">
+            <a:avLst/>
+          </a:prstGeom>
+          <a:noFill/>
+        </p:spPr>
+        <p:txBody>
+          <a:bodyPr wrap="none" rtlCol="0">
+            <a:spAutoFit/>
+          </a:bodyPr>
+          <a:lstStyle/>
+          <a:p>
+            <a:r>
+              <a:rPr lang="en-US" altLang="ko-KR" dirty="0">
+                <a:solidFill>
+                  <a:schemeClr val="accent5"/>
+                </a:solidFill>
+                <a:latin typeface="배달의민족 도현" pitchFamily="50" charset="-127"/>
+                <a:ea typeface="배달의민족 도현" pitchFamily="50" charset="-127"/>
+              </a:rPr>
+              <a:t>S</a:t>
+            </a:r>
+            <a:r>
+              <a:rPr lang="en-US" altLang="ko-KR" dirty="0">
+                <a:latin typeface="배달의민족 도현" pitchFamily="50" charset="-127"/>
+                <a:ea typeface="배달의민족 도현" pitchFamily="50" charset="-127"/>
+              </a:rPr>
+              <a:t>TART</a:t>
+            </a:r>
+            <a:r>
+              <a:rPr lang="en-US" altLang="ko-KR" dirty="0">
+                <a:solidFill>
+                  <a:schemeClr val="accent5"/>
+                </a:solidFill>
+                <a:latin typeface="배달의민족 도현" pitchFamily="50" charset="-127"/>
+                <a:ea typeface="배달의민족 도현" pitchFamily="50" charset="-127"/>
+              </a:rPr>
+              <a:t>C</a:t>
+            </a:r>
+            <a:r>
+              <a:rPr lang="en-US" altLang="ko-KR" dirty="0">
+                <a:latin typeface="배달의민족 도현" pitchFamily="50" charset="-127"/>
+                <a:ea typeface="배달의민족 도현" pitchFamily="50" charset="-127"/>
+              </a:rPr>
+              <a:t>ODING</a:t>
+            </a:r>
+            <a:endParaRPr lang="ko-KR" altLang="en-US" dirty="0">
+              <a:latin typeface="배달의민족 도현" pitchFamily="50" charset="-127"/>
+              <a:ea typeface="배달의민족 도현" pitchFamily="50" charset="-127"/>
+            </a:endParaRPr>
+          </a:p>
+        </p:txBody>
+      </p:sp>
+      <p:pic>
+        <p:nvPicPr>
+          <p:cNvPr id="2050" name="Picture 2" descr="C:\Users\Administrator\Downloads\browser-773215_1920.png"/>
+          <p:cNvPicPr>
+            <a:picLocks noChangeAspect="1" noChangeArrowheads="1"/>
+          </p:cNvPicPr>
+          <p:nvPr/>
+        </p:nvPicPr>
+        <p:blipFill>
+          <a:blip r:embed="rId2" cstate="print">
+            <a:extLst>
+              <a:ext uri="{28A0092B-C50C-407E-A947-70E740481C1C}">
+                <a14:useLocalDpi xmlns:a14="http://schemas.microsoft.com/office/drawing/2010/main" val="0"/>
+              </a:ext>
+            </a:extLst>
+          </a:blip>
+          <a:srcRect/>
+          <a:stretch>
+            <a:fillRect/>
+          </a:stretch>
+        </p:blipFill>
+        <p:spPr bwMode="auto">
+          <a:xfrm>
+            <a:off x="2123728" y="1268760"/>
+            <a:ext cx="4608512" cy="4608512"/>
+          </a:xfrm>
+          <a:prstGeom prst="rect">
+            <a:avLst/>
+          </a:prstGeom>
+          <a:noFill/>
+          <a:extLst>
+            <a:ext uri="{909E8E84-426E-40DD-AFC4-6F175D3DCCD1}">
+              <a14:hiddenFill xmlns:a14="http://schemas.microsoft.com/office/drawing/2010/main">
+                <a:solidFill>
+                  <a:srgbClr val="FFFFFF"/>
+                </a:solidFill>
+              </a14:hiddenFill>
+            </a:ext>
+          </a:extLst>
+        </p:spPr>
+      </p:pic>
+      <p:sp>
+        <p:nvSpPr>
+          <p:cNvPr id="4" name="직사각형 3">
+            <a:extLst>
+              <a:ext uri="{FF2B5EF4-FFF2-40B4-BE49-F238E27FC236}">
+                <a16:creationId xmlns:a16="http://schemas.microsoft.com/office/drawing/2014/main" id="{D49707FE-AB93-40B8-913F-DD74B84445F8}"/>
+              </a:ext>
+            </a:extLst>
+          </p:cNvPr>
+          <p:cNvSpPr/>
+          <p:nvPr/>
+        </p:nvSpPr>
+        <p:spPr>
+          <a:xfrm>
+            <a:off x="107504" y="116632"/>
+            <a:ext cx="2880320" cy="646331"/>
+          </a:xfrm>
+          <a:prstGeom prst="rect">
+            <a:avLst/>
+          </a:prstGeom>
+        </p:spPr>
+        <p:txBody>
+          <a:bodyPr wrap="square">
+            <a:spAutoFit/>
+          </a:bodyPr>
+          <a:lstStyle/>
+          <a:p>
+            <a:r>
+              <a:rPr lang="en-US" altLang="ko-KR" dirty="0">
+                <a:latin typeface="배달의민족 주아" pitchFamily="18" charset="-127"/>
+                <a:ea typeface="배달의민족 주아" pitchFamily="18" charset="-127"/>
+              </a:rPr>
+              <a:t>2. </a:t>
+            </a:r>
+            <a:r>
+              <a:rPr lang="ko-KR" altLang="en-US" dirty="0">
+                <a:latin typeface="배달의민족 주아" pitchFamily="18" charset="-127"/>
+                <a:ea typeface="배달의민족 주아" pitchFamily="18" charset="-127"/>
+              </a:rPr>
+              <a:t>웹 프로그래밍이란 무엇인가</a:t>
+            </a:r>
+            <a:r>
+              <a:rPr lang="en-US" altLang="ko-KR" dirty="0">
+                <a:latin typeface="배달의민족 주아" pitchFamily="18" charset="-127"/>
+                <a:ea typeface="배달의민족 주아" pitchFamily="18" charset="-127"/>
+              </a:rPr>
+              <a:t>?</a:t>
+            </a:r>
+            <a:br>
+              <a:rPr lang="en-US" altLang="ko-KR" dirty="0">
+                <a:latin typeface="배달의민족 주아" pitchFamily="18" charset="-127"/>
+                <a:ea typeface="배달의민족 주아" pitchFamily="18" charset="-127"/>
+              </a:rPr>
+            </a:br>
+            <a:endParaRPr lang="ko-KR" altLang="en-US" dirty="0"/>
+          </a:p>
+        </p:txBody>
+      </p:sp>
+    </p:spTree>
+    <p:extLst>
+      <p:ext uri="{BB962C8B-B14F-4D97-AF65-F5344CB8AC3E}">
+        <p14:creationId xmlns:p14="http://schemas.microsoft.com/office/powerpoint/2010/main" val="2151288421"/>
+      </p:ext>
+    </p:extLst>
+  </p:cSld>
+  <p:clrMapOvr>
+    <a:masterClrMapping/>
+  </p:clrMapOvr>
+</p:sld>
+</file>
+
 <file path=ppt/slides/slide14.xml><?xml version="1.0" encoding="utf-8"?>
 <p:sld xmlns:a="http://schemas.openxmlformats.org/drawingml/2006/main" xmlns:r="http://schemas.openxmlformats.org/officeDocument/2006/relationships" xmlns:p="http://schemas.openxmlformats.org/presentationml/2006/main">
   <p:cSld>
@@ -4700,7 +4678,53 @@
       </p:grpSpPr>
       <p:sp>
         <p:nvSpPr>
-          <p:cNvPr id="5" name="제목 1"/>
+          <p:cNvPr id="2" name="제목 1"/>
+          <p:cNvSpPr>
+            <a:spLocks noGrp="1"/>
+          </p:cNvSpPr>
+          <p:nvPr>
+            <p:ph type="ctrTitle"/>
+          </p:nvPr>
+        </p:nvSpPr>
+        <p:spPr>
+          <a:xfrm>
+            <a:off x="755576" y="2780928"/>
+            <a:ext cx="7772400" cy="1470025"/>
+          </a:xfrm>
+        </p:spPr>
+        <p:txBody>
+          <a:bodyPr>
+            <a:normAutofit/>
+          </a:bodyPr>
+          <a:lstStyle/>
+          <a:p>
+            <a:r>
+              <a:rPr lang="ko-KR" altLang="en-US" sz="3200" dirty="0">
+                <a:latin typeface="배달의민족 주아" pitchFamily="18" charset="-127"/>
+                <a:ea typeface="배달의민족 주아" pitchFamily="18" charset="-127"/>
+              </a:rPr>
+              <a:t>웹사이트가 </a:t>
+            </a:r>
+            <a:r>
+              <a:rPr lang="ko-KR" altLang="en-US" sz="3200" dirty="0" err="1">
+                <a:latin typeface="배달의민족 주아" pitchFamily="18" charset="-127"/>
+                <a:ea typeface="배달의민족 주아" pitchFamily="18" charset="-127"/>
+              </a:rPr>
+              <a:t>이쁘게</a:t>
+            </a:r>
+            <a:r>
+              <a:rPr lang="ko-KR" altLang="en-US" sz="3200" dirty="0">
+                <a:latin typeface="배달의민족 주아" pitchFamily="18" charset="-127"/>
+                <a:ea typeface="배달의민족 주아" pitchFamily="18" charset="-127"/>
+              </a:rPr>
+              <a:t> 잘 동작할 수 있도록 도와주는 프로그램 </a:t>
+            </a:r>
+          </a:p>
+        </p:txBody>
+      </p:sp>
+      <p:sp>
+        <p:nvSpPr>
+          <p:cNvPr id="3" name="제목 1"/>
           <p:cNvSpPr txBox="1">
             <a:spLocks/>
           </p:cNvSpPr>
@@ -4708,7 +4732,7 @@
         </p:nvSpPr>
         <p:spPr>
           <a:xfrm>
-            <a:off x="827584" y="2204864"/>
+            <a:off x="734470" y="1484784"/>
             <a:ext cx="7772400" cy="1470025"/>
           </a:xfrm>
           <a:prstGeom prst="rect">
@@ -4737,11 +4761,11 @@
           </a:lstStyle>
           <a:p>
             <a:r>
-              <a:rPr lang="ko-KR" altLang="en-US" dirty="0" smtClean="0">
-                <a:latin typeface="배달의민족 주아" pitchFamily="18" charset="-127"/>
-                <a:ea typeface="배달의민족 주아" pitchFamily="18" charset="-127"/>
-              </a:rPr>
-              <a:t>감사합니다</a:t>
+              <a:rPr lang="ko-KR" altLang="en-US" dirty="0" err="1">
+                <a:latin typeface="배달의민족 주아" pitchFamily="18" charset="-127"/>
+                <a:ea typeface="배달의민족 주아" pitchFamily="18" charset="-127"/>
+              </a:rPr>
+              <a:t>웹브라우저</a:t>
             </a:r>
             <a:endParaRPr lang="ko-KR" altLang="en-US" dirty="0">
               <a:latin typeface="배달의민족 주아" pitchFamily="18" charset="-127"/>
@@ -4752,7 +4776,7 @@
       </p:sp>
       <p:sp>
         <p:nvSpPr>
-          <p:cNvPr id="3" name="TextBox 2"/>
+          <p:cNvPr id="4" name="TextBox 3"/>
           <p:cNvSpPr txBox="1"/>
           <p:nvPr/>
         </p:nvSpPr>
@@ -4773,7 +4797,7 @@
           <a:lstStyle/>
           <a:p>
             <a:r>
-              <a:rPr lang="en-US" altLang="ko-KR" dirty="0" smtClean="0">
+              <a:rPr lang="en-US" altLang="ko-KR" dirty="0">
                 <a:solidFill>
                   <a:schemeClr val="accent5"/>
                 </a:solidFill>
@@ -4783,14 +4807,14 @@
               <a:t>S</a:t>
             </a:r>
             <a:r>
-              <a:rPr lang="en-US" altLang="ko-KR" dirty="0" smtClean="0">
+              <a:rPr lang="en-US" altLang="ko-KR" dirty="0">
                 <a:latin typeface="배달의민족 도현" pitchFamily="50" charset="-127"/>
                 <a:ea typeface="배달의민족 도현" pitchFamily="50" charset="-127"/>
               </a:rPr>
               <a:t>TART</a:t>
             </a:r>
             <a:r>
-              <a:rPr lang="en-US" altLang="ko-KR" dirty="0" smtClean="0">
+              <a:rPr lang="en-US" altLang="ko-KR" dirty="0">
                 <a:solidFill>
                   <a:schemeClr val="accent5"/>
                 </a:solidFill>
@@ -4800,7 +4824,349 @@
               <a:t>C</a:t>
             </a:r>
             <a:r>
-              <a:rPr lang="en-US" altLang="ko-KR" dirty="0" smtClean="0">
+              <a:rPr lang="en-US" altLang="ko-KR" dirty="0">
+                <a:latin typeface="배달의민족 도현" pitchFamily="50" charset="-127"/>
+                <a:ea typeface="배달의민족 도현" pitchFamily="50" charset="-127"/>
+              </a:rPr>
+              <a:t>ODING</a:t>
+            </a:r>
+            <a:endParaRPr lang="ko-KR" altLang="en-US" dirty="0">
+              <a:latin typeface="배달의민족 도현" pitchFamily="50" charset="-127"/>
+              <a:ea typeface="배달의민족 도현" pitchFamily="50" charset="-127"/>
+            </a:endParaRPr>
+          </a:p>
+        </p:txBody>
+      </p:sp>
+      <p:sp>
+        <p:nvSpPr>
+          <p:cNvPr id="5" name="직사각형 4">
+            <a:extLst>
+              <a:ext uri="{FF2B5EF4-FFF2-40B4-BE49-F238E27FC236}">
+                <a16:creationId xmlns:a16="http://schemas.microsoft.com/office/drawing/2014/main" id="{E9369A4A-E6C9-4341-8BD8-79DCD36B1D18}"/>
+              </a:ext>
+            </a:extLst>
+          </p:cNvPr>
+          <p:cNvSpPr/>
+          <p:nvPr/>
+        </p:nvSpPr>
+        <p:spPr>
+          <a:xfrm>
+            <a:off x="107504" y="116632"/>
+            <a:ext cx="2880320" cy="646331"/>
+          </a:xfrm>
+          <a:prstGeom prst="rect">
+            <a:avLst/>
+          </a:prstGeom>
+        </p:spPr>
+        <p:txBody>
+          <a:bodyPr wrap="square">
+            <a:spAutoFit/>
+          </a:bodyPr>
+          <a:lstStyle/>
+          <a:p>
+            <a:r>
+              <a:rPr lang="en-US" altLang="ko-KR" dirty="0">
+                <a:latin typeface="배달의민족 주아" pitchFamily="18" charset="-127"/>
+                <a:ea typeface="배달의민족 주아" pitchFamily="18" charset="-127"/>
+              </a:rPr>
+              <a:t>2. </a:t>
+            </a:r>
+            <a:r>
+              <a:rPr lang="ko-KR" altLang="en-US" dirty="0">
+                <a:latin typeface="배달의민족 주아" pitchFamily="18" charset="-127"/>
+                <a:ea typeface="배달의민족 주아" pitchFamily="18" charset="-127"/>
+              </a:rPr>
+              <a:t>웹 프로그래밍이란 무엇인가</a:t>
+            </a:r>
+            <a:r>
+              <a:rPr lang="en-US" altLang="ko-KR" dirty="0">
+                <a:latin typeface="배달의민족 주아" pitchFamily="18" charset="-127"/>
+                <a:ea typeface="배달의민족 주아" pitchFamily="18" charset="-127"/>
+              </a:rPr>
+              <a:t>?</a:t>
+            </a:r>
+            <a:br>
+              <a:rPr lang="en-US" altLang="ko-KR" dirty="0">
+                <a:latin typeface="배달의민족 주아" pitchFamily="18" charset="-127"/>
+                <a:ea typeface="배달의민족 주아" pitchFamily="18" charset="-127"/>
+              </a:rPr>
+            </a:br>
+            <a:endParaRPr lang="ko-KR" altLang="en-US" dirty="0"/>
+          </a:p>
+        </p:txBody>
+      </p:sp>
+    </p:spTree>
+    <p:extLst>
+      <p:ext uri="{BB962C8B-B14F-4D97-AF65-F5344CB8AC3E}">
+        <p14:creationId xmlns:p14="http://schemas.microsoft.com/office/powerpoint/2010/main" val="678316683"/>
+      </p:ext>
+    </p:extLst>
+  </p:cSld>
+  <p:clrMapOvr>
+    <a:masterClrMapping/>
+  </p:clrMapOvr>
+  <p:timing>
+    <p:tnLst>
+      <p:par>
+        <p:cTn id="1" dur="indefinite" restart="never" nodeType="tmRoot">
+          <p:childTnLst>
+            <p:seq concurrent="1" nextAc="seek">
+              <p:cTn id="2" dur="indefinite" nodeType="mainSeq">
+                <p:childTnLst>
+                  <p:par>
+                    <p:cTn id="3" fill="hold">
+                      <p:stCondLst>
+                        <p:cond delay="indefinite"/>
+                      </p:stCondLst>
+                      <p:childTnLst>
+                        <p:par>
+                          <p:cTn id="4" fill="hold">
+                            <p:stCondLst>
+                              <p:cond delay="0"/>
+                            </p:stCondLst>
+                            <p:childTnLst>
+                              <p:par>
+                                <p:cTn id="5" presetID="10" presetClass="entr" presetSubtype="0" fill="hold" grpId="0" nodeType="clickEffect">
+                                  <p:stCondLst>
+                                    <p:cond delay="0"/>
+                                  </p:stCondLst>
+                                  <p:childTnLst>
+                                    <p:set>
+                                      <p:cBhvr>
+                                        <p:cTn id="6" dur="1" fill="hold">
+                                          <p:stCondLst>
+                                            <p:cond delay="0"/>
+                                          </p:stCondLst>
+                                        </p:cTn>
+                                        <p:tgtEl>
+                                          <p:spTgt spid="3"/>
+                                        </p:tgtEl>
+                                        <p:attrNameLst>
+                                          <p:attrName>style.visibility</p:attrName>
+                                        </p:attrNameLst>
+                                      </p:cBhvr>
+                                      <p:to>
+                                        <p:strVal val="visible"/>
+                                      </p:to>
+                                    </p:set>
+                                    <p:animEffect transition="in" filter="fade">
+                                      <p:cBhvr>
+                                        <p:cTn id="7" dur="500"/>
+                                        <p:tgtEl>
+                                          <p:spTgt spid="3"/>
+                                        </p:tgtEl>
+                                      </p:cBhvr>
+                                    </p:animEffect>
+                                  </p:childTnLst>
+                                </p:cTn>
+                              </p:par>
+                            </p:childTnLst>
+                          </p:cTn>
+                        </p:par>
+                      </p:childTnLst>
+                    </p:cTn>
+                  </p:par>
+                  <p:par>
+                    <p:cTn id="8" fill="hold">
+                      <p:stCondLst>
+                        <p:cond delay="indefinite"/>
+                      </p:stCondLst>
+                      <p:childTnLst>
+                        <p:par>
+                          <p:cTn id="9" fill="hold">
+                            <p:stCondLst>
+                              <p:cond delay="0"/>
+                            </p:stCondLst>
+                            <p:childTnLst>
+                              <p:par>
+                                <p:cTn id="10" presetID="10" presetClass="entr" presetSubtype="0" fill="hold" grpId="0" nodeType="clickEffect">
+                                  <p:stCondLst>
+                                    <p:cond delay="0"/>
+                                  </p:stCondLst>
+                                  <p:iterate type="lt">
+                                    <p:tmPct val="10000"/>
+                                  </p:iterate>
+                                  <p:childTnLst>
+                                    <p:set>
+                                      <p:cBhvr>
+                                        <p:cTn id="11" dur="1" fill="hold">
+                                          <p:stCondLst>
+                                            <p:cond delay="0"/>
+                                          </p:stCondLst>
+                                        </p:cTn>
+                                        <p:tgtEl>
+                                          <p:spTgt spid="2"/>
+                                        </p:tgtEl>
+                                        <p:attrNameLst>
+                                          <p:attrName>style.visibility</p:attrName>
+                                        </p:attrNameLst>
+                                      </p:cBhvr>
+                                      <p:to>
+                                        <p:strVal val="visible"/>
+                                      </p:to>
+                                    </p:set>
+                                    <p:animEffect transition="in" filter="fade">
+                                      <p:cBhvr>
+                                        <p:cTn id="12" dur="500"/>
+                                        <p:tgtEl>
+                                          <p:spTgt spid="2"/>
+                                        </p:tgtEl>
+                                      </p:cBhvr>
+                                    </p:animEffect>
+                                  </p:childTnLst>
+                                </p:cTn>
+                              </p:par>
+                            </p:childTnLst>
+                          </p:cTn>
+                        </p:par>
+                      </p:childTnLst>
+                    </p:cTn>
+                  </p:par>
+                </p:childTnLst>
+              </p:cTn>
+              <p:prevCondLst>
+                <p:cond evt="onPrev" delay="0">
+                  <p:tgtEl>
+                    <p:sldTgt/>
+                  </p:tgtEl>
+                </p:cond>
+              </p:prevCondLst>
+              <p:nextCondLst>
+                <p:cond evt="onNext" delay="0">
+                  <p:tgtEl>
+                    <p:sldTgt/>
+                  </p:tgtEl>
+                </p:cond>
+              </p:nextCondLst>
+            </p:seq>
+          </p:childTnLst>
+        </p:cTn>
+      </p:par>
+    </p:tnLst>
+    <p:bldLst>
+      <p:bldP spid="2" grpId="0"/>
+      <p:bldP spid="3" grpId="0"/>
+    </p:bldLst>
+  </p:timing>
+</p:sld>
+</file>
+
+<file path=ppt/slides/slide15.xml><?xml version="1.0" encoding="utf-8"?>
+<p:sld xmlns:a="http://schemas.openxmlformats.org/drawingml/2006/main" xmlns:r="http://schemas.openxmlformats.org/officeDocument/2006/relationships" xmlns:p="http://schemas.openxmlformats.org/presentationml/2006/main">
+  <p:cSld>
+    <p:spTree>
+      <p:nvGrpSpPr>
+        <p:cNvPr id="1" name=""/>
+        <p:cNvGrpSpPr/>
+        <p:nvPr/>
+      </p:nvGrpSpPr>
+      <p:grpSpPr>
+        <a:xfrm>
+          <a:off x="0" y="0"/>
+          <a:ext cx="0" cy="0"/>
+          <a:chOff x="0" y="0"/>
+          <a:chExt cx="0" cy="0"/>
+        </a:xfrm>
+      </p:grpSpPr>
+      <p:sp>
+        <p:nvSpPr>
+          <p:cNvPr id="5" name="제목 1"/>
+          <p:cNvSpPr txBox="1">
+            <a:spLocks/>
+          </p:cNvSpPr>
+          <p:nvPr/>
+        </p:nvSpPr>
+        <p:spPr>
+          <a:xfrm>
+            <a:off x="827584" y="2204864"/>
+            <a:ext cx="7772400" cy="1470025"/>
+          </a:xfrm>
+          <a:prstGeom prst="rect">
+            <a:avLst/>
+          </a:prstGeom>
+        </p:spPr>
+        <p:txBody>
+          <a:bodyPr vert="horz" lIns="91440" tIns="45720" rIns="91440" bIns="45720" rtlCol="0" anchor="ctr">
+            <a:normAutofit/>
+          </a:bodyPr>
+          <a:lstStyle>
+            <a:lvl1pPr algn="ctr" defTabSz="914400" rtl="0" eaLnBrk="1" latinLnBrk="1" hangingPunct="1">
+              <a:spcBef>
+                <a:spcPct val="0"/>
+              </a:spcBef>
+              <a:buNone/>
+              <a:defRPr sz="4400" kern="1200">
+                <a:solidFill>
+                  <a:schemeClr val="tx1"/>
+                </a:solidFill>
+                <a:latin typeface="+mj-lt"/>
+                <a:ea typeface="+mj-ea"/>
+                <a:cs typeface="+mj-cs"/>
+              </a:defRPr>
+            </a:lvl1pPr>
+          </a:lstStyle>
+          <a:p>
+            <a:r>
+              <a:rPr lang="ko-KR" altLang="en-US" dirty="0">
+                <a:latin typeface="배달의민족 주아" pitchFamily="18" charset="-127"/>
+                <a:ea typeface="배달의민족 주아" pitchFamily="18" charset="-127"/>
+              </a:rPr>
+              <a:t>감사합니다</a:t>
+            </a:r>
+          </a:p>
+        </p:txBody>
+      </p:sp>
+      <p:sp>
+        <p:nvSpPr>
+          <p:cNvPr id="3" name="TextBox 2"/>
+          <p:cNvSpPr txBox="1"/>
+          <p:nvPr/>
+        </p:nvSpPr>
+        <p:spPr>
+          <a:xfrm>
+            <a:off x="6588224" y="6165304"/>
+            <a:ext cx="1838965" cy="369332"/>
+          </a:xfrm>
+          <a:prstGeom prst="rect">
+            <a:avLst/>
+          </a:prstGeom>
+          <a:noFill/>
+        </p:spPr>
+        <p:txBody>
+          <a:bodyPr wrap="none" rtlCol="0">
+            <a:spAutoFit/>
+          </a:bodyPr>
+          <a:lstStyle/>
+          <a:p>
+            <a:r>
+              <a:rPr lang="en-US" altLang="ko-KR" dirty="0">
+                <a:solidFill>
+                  <a:schemeClr val="accent5"/>
+                </a:solidFill>
+                <a:latin typeface="배달의민족 도현" pitchFamily="50" charset="-127"/>
+                <a:ea typeface="배달의민족 도현" pitchFamily="50" charset="-127"/>
+              </a:rPr>
+              <a:t>S</a:t>
+            </a:r>
+            <a:r>
+              <a:rPr lang="en-US" altLang="ko-KR" dirty="0">
+                <a:latin typeface="배달의민족 도현" pitchFamily="50" charset="-127"/>
+                <a:ea typeface="배달의민족 도현" pitchFamily="50" charset="-127"/>
+              </a:rPr>
+              <a:t>TART</a:t>
+            </a:r>
+            <a:r>
+              <a:rPr lang="en-US" altLang="ko-KR" dirty="0">
+                <a:solidFill>
+                  <a:schemeClr val="accent5"/>
+                </a:solidFill>
+                <a:latin typeface="배달의민족 도현" pitchFamily="50" charset="-127"/>
+                <a:ea typeface="배달의민족 도현" pitchFamily="50" charset="-127"/>
+              </a:rPr>
+              <a:t>C</a:t>
+            </a:r>
+            <a:r>
+              <a:rPr lang="en-US" altLang="ko-KR" dirty="0">
                 <a:latin typeface="배달의민족 도현" pitchFamily="50" charset="-127"/>
                 <a:ea typeface="배달의민족 도현" pitchFamily="50" charset="-127"/>
               </a:rPr>
@@ -4823,13 +5189,6 @@
   <p:clrMapOvr>
     <a:masterClrMapping/>
   </p:clrMapOvr>
-  <p:timing>
-    <p:tnLst>
-      <p:par>
-        <p:cTn id="1" dur="indefinite" restart="never" nodeType="tmRoot"/>
-      </p:par>
-    </p:tnLst>
-  </p:timing>
 </p:sld>
 </file>
 
@@ -4871,7 +5230,7 @@
           <a:lstStyle/>
           <a:p>
             <a:r>
-              <a:rPr lang="en-US" altLang="ko-KR" dirty="0" smtClean="0">
+              <a:rPr lang="en-US" altLang="ko-KR" dirty="0">
                 <a:latin typeface="배달의민족 주아" pitchFamily="18" charset="-127"/>
                 <a:ea typeface="배달의민족 주아" pitchFamily="18" charset="-127"/>
               </a:rPr>
@@ -4907,7 +5266,7 @@
           <a:lstStyle/>
           <a:p>
             <a:r>
-              <a:rPr lang="en-US" altLang="ko-KR" dirty="0" smtClean="0">
+              <a:rPr lang="en-US" altLang="ko-KR" dirty="0">
                 <a:solidFill>
                   <a:schemeClr val="accent5"/>
                 </a:solidFill>
@@ -4917,14 +5276,14 @@
               <a:t>S</a:t>
             </a:r>
             <a:r>
-              <a:rPr lang="en-US" altLang="ko-KR" dirty="0" smtClean="0">
+              <a:rPr lang="en-US" altLang="ko-KR" dirty="0">
                 <a:latin typeface="배달의민족 도현" pitchFamily="50" charset="-127"/>
                 <a:ea typeface="배달의민족 도현" pitchFamily="50" charset="-127"/>
               </a:rPr>
               <a:t>TART</a:t>
             </a:r>
             <a:r>
-              <a:rPr lang="en-US" altLang="ko-KR" dirty="0" smtClean="0">
+              <a:rPr lang="en-US" altLang="ko-KR" dirty="0">
                 <a:solidFill>
                   <a:schemeClr val="accent5"/>
                 </a:solidFill>
@@ -4934,7 +5293,7 @@
               <a:t>C</a:t>
             </a:r>
             <a:r>
-              <a:rPr lang="en-US" altLang="ko-KR" dirty="0" smtClean="0">
+              <a:rPr lang="en-US" altLang="ko-KR" dirty="0">
                 <a:latin typeface="배달의민족 도현" pitchFamily="50" charset="-127"/>
                 <a:ea typeface="배달의민족 도현" pitchFamily="50" charset="-127"/>
               </a:rPr>
@@ -4992,9 +5351,61 @@
           </a:p>
         </p:txBody>
       </p:sp>
+      <p:sp>
+        <p:nvSpPr>
+          <p:cNvPr id="5" name="직사각형 4"/>
+          <p:cNvSpPr/>
+          <p:nvPr/>
+        </p:nvSpPr>
+        <p:spPr>
+          <a:xfrm>
+            <a:off x="107504" y="116632"/>
+            <a:ext cx="2592288" cy="646331"/>
+          </a:xfrm>
+          <a:prstGeom prst="rect">
+            <a:avLst/>
+          </a:prstGeom>
+        </p:spPr>
+        <p:txBody>
+          <a:bodyPr wrap="square">
+            <a:spAutoFit/>
+          </a:bodyPr>
+          <a:lstStyle/>
+          <a:p>
+            <a:r>
+              <a:rPr lang="en-US" altLang="ko-KR" dirty="0">
+                <a:latin typeface="배달의민족 주아" pitchFamily="18" charset="-127"/>
+                <a:ea typeface="배달의민족 주아" pitchFamily="18" charset="-127"/>
+              </a:rPr>
+              <a:t>1. </a:t>
+            </a:r>
+            <a:r>
+              <a:rPr lang="ko-KR" altLang="en-US" dirty="0">
+                <a:latin typeface="배달의민족 주아" pitchFamily="18" charset="-127"/>
+                <a:ea typeface="배달의민족 주아" pitchFamily="18" charset="-127"/>
+              </a:rPr>
+              <a:t>프로그래밍이란 무엇인가</a:t>
+            </a:r>
+            <a:r>
+              <a:rPr lang="en-US" altLang="ko-KR" dirty="0">
+                <a:latin typeface="배달의민족 주아" pitchFamily="18" charset="-127"/>
+                <a:ea typeface="배달의민족 주아" pitchFamily="18" charset="-127"/>
+              </a:rPr>
+              <a:t>?</a:t>
+            </a:r>
+            <a:br>
+              <a:rPr lang="en-US" altLang="ko-KR" dirty="0">
+                <a:latin typeface="배달의민족 주아" pitchFamily="18" charset="-127"/>
+                <a:ea typeface="배달의민족 주아" pitchFamily="18" charset="-127"/>
+              </a:rPr>
+            </a:br>
+            <a:endParaRPr lang="ko-KR" altLang="en-US" dirty="0"/>
+          </a:p>
+        </p:txBody>
+      </p:sp>
       <p:pic>
         <p:nvPicPr>
-          <p:cNvPr id="1026" name="Picture 2" descr="C:\Users\Administrator\Downloads\korean.png"/>
+          <p:cNvPr id="6" name="Picture 2" descr="C:\Users\Administrator\Downloads\free-icon-conversation-2753089.png"/>
           <p:cNvPicPr>
             <a:picLocks noChangeAspect="1" noChangeArrowheads="1"/>
           </p:cNvPicPr>
@@ -5015,8 +5426,8 @@
         </p:blipFill>
         <p:spPr bwMode="auto">
           <a:xfrm>
-            <a:off x="3059832" y="2919529"/>
-            <a:ext cx="2870448" cy="2870448"/>
+            <a:off x="3125779" y="3068960"/>
+            <a:ext cx="2798440" cy="2798440"/>
           </a:xfrm>
           <a:prstGeom prst="rect">
             <a:avLst/>
@@ -5036,7 +5447,7 @@
     </p:spTree>
     <p:extLst>
       <p:ext uri="{BB962C8B-B14F-4D97-AF65-F5344CB8AC3E}">
-        <p14:creationId xmlns:p14="http://schemas.microsoft.com/office/powerpoint/2010/main" val="3916529140"/>
+        <p14:creationId xmlns:p14="http://schemas.microsoft.com/office/powerpoint/2010/main" val="262679153"/>
       </p:ext>
     </p:extLst>
   </p:cSld>
@@ -5164,17 +5575,22 @@
             <p:ph type="ctrTitle"/>
           </p:nvPr>
         </p:nvSpPr>
-        <p:spPr/>
+        <p:spPr>
+          <a:xfrm>
+            <a:off x="685800" y="1628800"/>
+            <a:ext cx="7772400" cy="1470025"/>
+          </a:xfrm>
+        </p:spPr>
         <p:txBody>
           <a:bodyPr/>
           <a:lstStyle/>
           <a:p>
             <a:r>
-              <a:rPr lang="en-US" altLang="ko-KR" dirty="0" smtClean="0">
-                <a:latin typeface="배달의민족 주아" pitchFamily="18" charset="-127"/>
-                <a:ea typeface="배달의민족 주아" pitchFamily="18" charset="-127"/>
-              </a:rPr>
-              <a:t>0 1</a:t>
+              <a:rPr lang="en-US" altLang="ko-KR" dirty="0">
+                <a:latin typeface="배달의민족 주아" pitchFamily="18" charset="-127"/>
+                <a:ea typeface="배달의민족 주아" pitchFamily="18" charset="-127"/>
+              </a:rPr>
+              <a:t>Programming?</a:t>
             </a:r>
             <a:endParaRPr lang="ko-KR" altLang="en-US" dirty="0">
               <a:latin typeface="배달의민족 주아" pitchFamily="18" charset="-127"/>
@@ -5206,7 +5622,7 @@
           <a:lstStyle/>
           <a:p>
             <a:r>
-              <a:rPr lang="en-US" altLang="ko-KR" dirty="0" smtClean="0">
+              <a:rPr lang="en-US" altLang="ko-KR" dirty="0">
                 <a:solidFill>
                   <a:schemeClr val="accent5"/>
                 </a:solidFill>
@@ -5216,14 +5632,14 @@
               <a:t>S</a:t>
             </a:r>
             <a:r>
-              <a:rPr lang="en-US" altLang="ko-KR" dirty="0" smtClean="0">
+              <a:rPr lang="en-US" altLang="ko-KR" dirty="0">
                 <a:latin typeface="배달의민족 도현" pitchFamily="50" charset="-127"/>
                 <a:ea typeface="배달의민족 도현" pitchFamily="50" charset="-127"/>
               </a:rPr>
               <a:t>TART</a:t>
             </a:r>
             <a:r>
-              <a:rPr lang="en-US" altLang="ko-KR" dirty="0" smtClean="0">
+              <a:rPr lang="en-US" altLang="ko-KR" dirty="0">
                 <a:solidFill>
                   <a:schemeClr val="accent5"/>
                 </a:solidFill>
@@ -5233,7 +5649,7 @@
               <a:t>C</a:t>
             </a:r>
             <a:r>
-              <a:rPr lang="en-US" altLang="ko-KR" dirty="0" smtClean="0">
+              <a:rPr lang="en-US" altLang="ko-KR" dirty="0">
                 <a:latin typeface="배달의민족 도현" pitchFamily="50" charset="-127"/>
                 <a:ea typeface="배달의민족 도현" pitchFamily="50" charset="-127"/>
               </a:rPr>
@@ -5256,7 +5672,7 @@
         </p:nvSpPr>
         <p:spPr>
           <a:xfrm>
-            <a:off x="683568" y="3429000"/>
+            <a:off x="685800" y="2492896"/>
             <a:ext cx="7772400" cy="1470025"/>
           </a:xfrm>
           <a:prstGeom prst="rect">
@@ -5284,13 +5700,6 @@
             </a:lvl1pPr>
           </a:lstStyle>
           <a:p>
-            <a:r>
-              <a:rPr lang="ko-KR" altLang="en-US" dirty="0" smtClean="0">
-                <a:latin typeface="배달의민족 주아" pitchFamily="18" charset="-127"/>
-                <a:ea typeface="배달의민족 주아" pitchFamily="18" charset="-127"/>
-              </a:rPr>
-              <a:t>기계어</a:t>
-            </a:r>
             <a:endParaRPr lang="ko-KR" altLang="en-US" dirty="0">
               <a:latin typeface="배달의민족 주아" pitchFamily="18" charset="-127"/>
               <a:ea typeface="배달의민족 주아" pitchFamily="18" charset="-127"/>
@@ -5298,10 +5707,631 @@
           </a:p>
         </p:txBody>
       </p:sp>
+      <p:sp>
+        <p:nvSpPr>
+          <p:cNvPr id="5" name="직사각형 4"/>
+          <p:cNvSpPr/>
+          <p:nvPr/>
+        </p:nvSpPr>
+        <p:spPr>
+          <a:xfrm>
+            <a:off x="107504" y="116632"/>
+            <a:ext cx="2592288" cy="646331"/>
+          </a:xfrm>
+          <a:prstGeom prst="rect">
+            <a:avLst/>
+          </a:prstGeom>
+        </p:spPr>
+        <p:txBody>
+          <a:bodyPr wrap="square">
+            <a:spAutoFit/>
+          </a:bodyPr>
+          <a:lstStyle/>
+          <a:p>
+            <a:r>
+              <a:rPr lang="en-US" altLang="ko-KR" dirty="0">
+                <a:latin typeface="배달의민족 주아" pitchFamily="18" charset="-127"/>
+                <a:ea typeface="배달의민족 주아" pitchFamily="18" charset="-127"/>
+              </a:rPr>
+              <a:t>1. </a:t>
+            </a:r>
+            <a:r>
+              <a:rPr lang="ko-KR" altLang="en-US" dirty="0">
+                <a:latin typeface="배달의민족 주아" pitchFamily="18" charset="-127"/>
+                <a:ea typeface="배달의민족 주아" pitchFamily="18" charset="-127"/>
+              </a:rPr>
+              <a:t>프로그래밍이란 무엇인가</a:t>
+            </a:r>
+            <a:r>
+              <a:rPr lang="en-US" altLang="ko-KR" dirty="0">
+                <a:latin typeface="배달의민족 주아" pitchFamily="18" charset="-127"/>
+                <a:ea typeface="배달의민족 주아" pitchFamily="18" charset="-127"/>
+              </a:rPr>
+              <a:t>?</a:t>
+            </a:r>
+            <a:br>
+              <a:rPr lang="en-US" altLang="ko-KR" dirty="0">
+                <a:latin typeface="배달의민족 주아" pitchFamily="18" charset="-127"/>
+                <a:ea typeface="배달의민족 주아" pitchFamily="18" charset="-127"/>
+              </a:rPr>
+            </a:br>
+            <a:endParaRPr lang="ko-KR" altLang="en-US" dirty="0"/>
+          </a:p>
+        </p:txBody>
+      </p:sp>
+      <p:pic>
+        <p:nvPicPr>
+          <p:cNvPr id="2050" name="Picture 2" descr="C:\Users\Administrator\Downloads\free-icon-conversation-943178.png"/>
+          <p:cNvPicPr>
+            <a:picLocks noChangeAspect="1" noChangeArrowheads="1"/>
+          </p:cNvPicPr>
+          <p:nvPr/>
+        </p:nvPicPr>
+        <p:blipFill>
+          <a:blip r:embed="rId2">
+            <a:extLst>
+              <a:ext uri="{28A0092B-C50C-407E-A947-70E740481C1C}">
+                <a14:useLocalDpi xmlns:a14="http://schemas.microsoft.com/office/drawing/2010/main" val="0"/>
+              </a:ext>
+            </a:extLst>
+          </a:blip>
+          <a:srcRect/>
+          <a:stretch>
+            <a:fillRect/>
+          </a:stretch>
+        </p:blipFill>
+        <p:spPr bwMode="auto">
+          <a:xfrm>
+            <a:off x="4572000" y="3442805"/>
+            <a:ext cx="2169864" cy="2169864"/>
+          </a:xfrm>
+          <a:prstGeom prst="rect">
+            <a:avLst/>
+          </a:prstGeom>
+          <a:noFill/>
+          <a:extLst>
+            <a:ext uri="{909E8E84-426E-40DD-AFC4-6F175D3DCCD1}">
+              <a14:hiddenFill xmlns:a14="http://schemas.microsoft.com/office/drawing/2010/main">
+                <a:solidFill>
+                  <a:srgbClr val="FFFFFF"/>
+                </a:solidFill>
+              </a14:hiddenFill>
+            </a:ext>
+          </a:extLst>
+        </p:spPr>
+      </p:pic>
+      <p:pic>
+        <p:nvPicPr>
+          <p:cNvPr id="2051" name="Picture 3" descr="C:\Users\Administrator\Downloads\free-icon-personal-computer-1869450.png"/>
+          <p:cNvPicPr>
+            <a:picLocks noChangeAspect="1" noChangeArrowheads="1"/>
+          </p:cNvPicPr>
+          <p:nvPr/>
+        </p:nvPicPr>
+        <p:blipFill>
+          <a:blip r:embed="rId3">
+            <a:extLst>
+              <a:ext uri="{28A0092B-C50C-407E-A947-70E740481C1C}">
+                <a14:useLocalDpi xmlns:a14="http://schemas.microsoft.com/office/drawing/2010/main" val="0"/>
+              </a:ext>
+            </a:extLst>
+          </a:blip>
+          <a:srcRect/>
+          <a:stretch>
+            <a:fillRect/>
+          </a:stretch>
+        </p:blipFill>
+        <p:spPr bwMode="auto">
+          <a:xfrm>
+            <a:off x="1979712" y="3645024"/>
+            <a:ext cx="2582416" cy="2582416"/>
+          </a:xfrm>
+          <a:prstGeom prst="rect">
+            <a:avLst/>
+          </a:prstGeom>
+          <a:noFill/>
+          <a:extLst>
+            <a:ext uri="{909E8E84-426E-40DD-AFC4-6F175D3DCCD1}">
+              <a14:hiddenFill xmlns:a14="http://schemas.microsoft.com/office/drawing/2010/main">
+                <a:solidFill>
+                  <a:srgbClr val="FFFFFF"/>
+                </a:solidFill>
+              </a14:hiddenFill>
+            </a:ext>
+          </a:extLst>
+        </p:spPr>
+      </p:pic>
+      <p:pic>
+        <p:nvPicPr>
+          <p:cNvPr id="2052" name="Picture 4" descr="C:\Users\Administrator\Downloads\free-icon-confused-742826.png"/>
+          <p:cNvPicPr>
+            <a:picLocks noChangeAspect="1" noChangeArrowheads="1"/>
+          </p:cNvPicPr>
+          <p:nvPr/>
+        </p:nvPicPr>
+        <p:blipFill>
+          <a:blip r:embed="rId4" cstate="print">
+            <a:extLst>
+              <a:ext uri="{28A0092B-C50C-407E-A947-70E740481C1C}">
+                <a14:useLocalDpi xmlns:a14="http://schemas.microsoft.com/office/drawing/2010/main" val="0"/>
+              </a:ext>
+            </a:extLst>
+          </a:blip>
+          <a:srcRect/>
+          <a:stretch>
+            <a:fillRect/>
+          </a:stretch>
+        </p:blipFill>
+        <p:spPr bwMode="auto">
+          <a:xfrm>
+            <a:off x="1614860" y="3645024"/>
+            <a:ext cx="729704" cy="729704"/>
+          </a:xfrm>
+          <a:prstGeom prst="rect">
+            <a:avLst/>
+          </a:prstGeom>
+          <a:noFill/>
+          <a:extLst>
+            <a:ext uri="{909E8E84-426E-40DD-AFC4-6F175D3DCCD1}">
+              <a14:hiddenFill xmlns:a14="http://schemas.microsoft.com/office/drawing/2010/main">
+                <a:solidFill>
+                  <a:srgbClr val="FFFFFF"/>
+                </a:solidFill>
+              </a14:hiddenFill>
+            </a:ext>
+          </a:extLst>
+        </p:spPr>
+      </p:pic>
     </p:spTree>
     <p:extLst>
       <p:ext uri="{BB962C8B-B14F-4D97-AF65-F5344CB8AC3E}">
-        <p14:creationId xmlns:p14="http://schemas.microsoft.com/office/powerpoint/2010/main" val="3853246724"/>
+        <p14:creationId xmlns:p14="http://schemas.microsoft.com/office/powerpoint/2010/main" val="3478825592"/>
+      </p:ext>
+    </p:extLst>
+  </p:cSld>
+  <p:clrMapOvr>
+    <a:masterClrMapping/>
+  </p:clrMapOvr>
+  <p:timing>
+    <p:tnLst>
+      <p:par>
+        <p:cTn id="1" dur="indefinite" restart="never" nodeType="tmRoot">
+          <p:childTnLst>
+            <p:seq concurrent="1" nextAc="seek">
+              <p:cTn id="2" dur="indefinite" nodeType="mainSeq">
+                <p:childTnLst>
+                  <p:par>
+                    <p:cTn id="3" fill="hold">
+                      <p:stCondLst>
+                        <p:cond delay="indefinite"/>
+                      </p:stCondLst>
+                      <p:childTnLst>
+                        <p:par>
+                          <p:cTn id="4" fill="hold">
+                            <p:stCondLst>
+                              <p:cond delay="0"/>
+                            </p:stCondLst>
+                            <p:childTnLst>
+                              <p:par>
+                                <p:cTn id="5" presetID="10" presetClass="entr" presetSubtype="0" fill="hold" grpId="0" nodeType="clickEffect" nodePh="1">
+                                  <p:stCondLst>
+                                    <p:cond delay="0"/>
+                                  </p:stCondLst>
+                                  <p:endCondLst>
+                                    <p:cond evt="begin" delay="0">
+                                      <p:tn val="5"/>
+                                    </p:cond>
+                                  </p:endCondLst>
+                                  <p:childTnLst>
+                                    <p:set>
+                                      <p:cBhvr>
+                                        <p:cTn id="6" dur="1" fill="hold">
+                                          <p:stCondLst>
+                                            <p:cond delay="0"/>
+                                          </p:stCondLst>
+                                        </p:cTn>
+                                        <p:tgtEl>
+                                          <p:spTgt spid="4"/>
+                                        </p:tgtEl>
+                                        <p:attrNameLst>
+                                          <p:attrName>style.visibility</p:attrName>
+                                        </p:attrNameLst>
+                                      </p:cBhvr>
+                                      <p:to>
+                                        <p:strVal val="visible"/>
+                                      </p:to>
+                                    </p:set>
+                                    <p:animEffect transition="in" filter="fade">
+                                      <p:cBhvr>
+                                        <p:cTn id="7" dur="500"/>
+                                        <p:tgtEl>
+                                          <p:spTgt spid="4"/>
+                                        </p:tgtEl>
+                                      </p:cBhvr>
+                                    </p:animEffect>
+                                  </p:childTnLst>
+                                </p:cTn>
+                              </p:par>
+                            </p:childTnLst>
+                          </p:cTn>
+                        </p:par>
+                      </p:childTnLst>
+                    </p:cTn>
+                  </p:par>
+                  <p:par>
+                    <p:cTn id="8" fill="hold">
+                      <p:stCondLst>
+                        <p:cond delay="indefinite"/>
+                      </p:stCondLst>
+                      <p:childTnLst>
+                        <p:par>
+                          <p:cTn id="9" fill="hold">
+                            <p:stCondLst>
+                              <p:cond delay="0"/>
+                            </p:stCondLst>
+                            <p:childTnLst>
+                              <p:par>
+                                <p:cTn id="10" presetID="31" presetClass="entr" presetSubtype="0" fill="hold" nodeType="clickEffect">
+                                  <p:stCondLst>
+                                    <p:cond delay="0"/>
+                                  </p:stCondLst>
+                                  <p:childTnLst>
+                                    <p:set>
+                                      <p:cBhvr>
+                                        <p:cTn id="11" dur="1" fill="hold">
+                                          <p:stCondLst>
+                                            <p:cond delay="0"/>
+                                          </p:stCondLst>
+                                        </p:cTn>
+                                        <p:tgtEl>
+                                          <p:spTgt spid="2052"/>
+                                        </p:tgtEl>
+                                        <p:attrNameLst>
+                                          <p:attrName>style.visibility</p:attrName>
+                                        </p:attrNameLst>
+                                      </p:cBhvr>
+                                      <p:to>
+                                        <p:strVal val="visible"/>
+                                      </p:to>
+                                    </p:set>
+                                    <p:anim calcmode="lin" valueType="num">
+                                      <p:cBhvr>
+                                        <p:cTn id="12" dur="1000" fill="hold"/>
+                                        <p:tgtEl>
+                                          <p:spTgt spid="2052"/>
+                                        </p:tgtEl>
+                                        <p:attrNameLst>
+                                          <p:attrName>ppt_w</p:attrName>
+                                        </p:attrNameLst>
+                                      </p:cBhvr>
+                                      <p:tavLst>
+                                        <p:tav tm="0">
+                                          <p:val>
+                                            <p:fltVal val="0"/>
+                                          </p:val>
+                                        </p:tav>
+                                        <p:tav tm="100000">
+                                          <p:val>
+                                            <p:strVal val="#ppt_w"/>
+                                          </p:val>
+                                        </p:tav>
+                                      </p:tavLst>
+                                    </p:anim>
+                                    <p:anim calcmode="lin" valueType="num">
+                                      <p:cBhvr>
+                                        <p:cTn id="13" dur="1000" fill="hold"/>
+                                        <p:tgtEl>
+                                          <p:spTgt spid="2052"/>
+                                        </p:tgtEl>
+                                        <p:attrNameLst>
+                                          <p:attrName>ppt_h</p:attrName>
+                                        </p:attrNameLst>
+                                      </p:cBhvr>
+                                      <p:tavLst>
+                                        <p:tav tm="0">
+                                          <p:val>
+                                            <p:fltVal val="0"/>
+                                          </p:val>
+                                        </p:tav>
+                                        <p:tav tm="100000">
+                                          <p:val>
+                                            <p:strVal val="#ppt_h"/>
+                                          </p:val>
+                                        </p:tav>
+                                      </p:tavLst>
+                                    </p:anim>
+                                    <p:anim calcmode="lin" valueType="num">
+                                      <p:cBhvr>
+                                        <p:cTn id="14" dur="1000" fill="hold"/>
+                                        <p:tgtEl>
+                                          <p:spTgt spid="2052"/>
+                                        </p:tgtEl>
+                                        <p:attrNameLst>
+                                          <p:attrName>style.rotation</p:attrName>
+                                        </p:attrNameLst>
+                                      </p:cBhvr>
+                                      <p:tavLst>
+                                        <p:tav tm="0">
+                                          <p:val>
+                                            <p:fltVal val="90"/>
+                                          </p:val>
+                                        </p:tav>
+                                        <p:tav tm="100000">
+                                          <p:val>
+                                            <p:fltVal val="0"/>
+                                          </p:val>
+                                        </p:tav>
+                                      </p:tavLst>
+                                    </p:anim>
+                                    <p:animEffect transition="in" filter="fade">
+                                      <p:cBhvr>
+                                        <p:cTn id="15" dur="1000"/>
+                                        <p:tgtEl>
+                                          <p:spTgt spid="2052"/>
+                                        </p:tgtEl>
+                                      </p:cBhvr>
+                                    </p:animEffect>
+                                  </p:childTnLst>
+                                </p:cTn>
+                              </p:par>
+                            </p:childTnLst>
+                          </p:cTn>
+                        </p:par>
+                      </p:childTnLst>
+                    </p:cTn>
+                  </p:par>
+                </p:childTnLst>
+              </p:cTn>
+              <p:prevCondLst>
+                <p:cond evt="onPrev" delay="0">
+                  <p:tgtEl>
+                    <p:sldTgt/>
+                  </p:tgtEl>
+                </p:cond>
+              </p:prevCondLst>
+              <p:nextCondLst>
+                <p:cond evt="onNext" delay="0">
+                  <p:tgtEl>
+                    <p:sldTgt/>
+                  </p:tgtEl>
+                </p:cond>
+              </p:nextCondLst>
+            </p:seq>
+          </p:childTnLst>
+        </p:cTn>
+      </p:par>
+    </p:tnLst>
+    <p:bldLst>
+      <p:bldP spid="4" grpId="0"/>
+    </p:bldLst>
+  </p:timing>
+</p:sld>
+</file>
+
+<file path=ppt/slides/slide4.xml><?xml version="1.0" encoding="utf-8"?>
+<p:sld xmlns:a="http://schemas.openxmlformats.org/drawingml/2006/main" xmlns:r="http://schemas.openxmlformats.org/officeDocument/2006/relationships" xmlns:p="http://schemas.openxmlformats.org/presentationml/2006/main">
+  <p:cSld>
+    <p:spTree>
+      <p:nvGrpSpPr>
+        <p:cNvPr id="1" name=""/>
+        <p:cNvGrpSpPr/>
+        <p:nvPr/>
+      </p:nvGrpSpPr>
+      <p:grpSpPr>
+        <a:xfrm>
+          <a:off x="0" y="0"/>
+          <a:ext cx="0" cy="0"/>
+          <a:chOff x="0" y="0"/>
+          <a:chExt cx="0" cy="0"/>
+        </a:xfrm>
+      </p:grpSpPr>
+      <p:sp>
+        <p:nvSpPr>
+          <p:cNvPr id="3" name="TextBox 2"/>
+          <p:cNvSpPr txBox="1"/>
+          <p:nvPr/>
+        </p:nvSpPr>
+        <p:spPr>
+          <a:xfrm>
+            <a:off x="6588224" y="6165304"/>
+            <a:ext cx="1838965" cy="369332"/>
+          </a:xfrm>
+          <a:prstGeom prst="rect">
+            <a:avLst/>
+          </a:prstGeom>
+          <a:noFill/>
+        </p:spPr>
+        <p:txBody>
+          <a:bodyPr wrap="none" rtlCol="0">
+            <a:spAutoFit/>
+          </a:bodyPr>
+          <a:lstStyle/>
+          <a:p>
+            <a:r>
+              <a:rPr lang="en-US" altLang="ko-KR" dirty="0">
+                <a:solidFill>
+                  <a:schemeClr val="accent5"/>
+                </a:solidFill>
+                <a:latin typeface="배달의민족 도현" pitchFamily="50" charset="-127"/>
+                <a:ea typeface="배달의민족 도현" pitchFamily="50" charset="-127"/>
+              </a:rPr>
+              <a:t>S</a:t>
+            </a:r>
+            <a:r>
+              <a:rPr lang="en-US" altLang="ko-KR" dirty="0">
+                <a:latin typeface="배달의민족 도현" pitchFamily="50" charset="-127"/>
+                <a:ea typeface="배달의민족 도현" pitchFamily="50" charset="-127"/>
+              </a:rPr>
+              <a:t>TART</a:t>
+            </a:r>
+            <a:r>
+              <a:rPr lang="en-US" altLang="ko-KR" dirty="0">
+                <a:solidFill>
+                  <a:schemeClr val="accent5"/>
+                </a:solidFill>
+                <a:latin typeface="배달의민족 도현" pitchFamily="50" charset="-127"/>
+                <a:ea typeface="배달의민족 도현" pitchFamily="50" charset="-127"/>
+              </a:rPr>
+              <a:t>C</a:t>
+            </a:r>
+            <a:r>
+              <a:rPr lang="en-US" altLang="ko-KR" dirty="0">
+                <a:latin typeface="배달의민족 도현" pitchFamily="50" charset="-127"/>
+                <a:ea typeface="배달의민족 도현" pitchFamily="50" charset="-127"/>
+              </a:rPr>
+              <a:t>ODING</a:t>
+            </a:r>
+            <a:endParaRPr lang="ko-KR" altLang="en-US" dirty="0">
+              <a:latin typeface="배달의민족 도현" pitchFamily="50" charset="-127"/>
+              <a:ea typeface="배달의민족 도현" pitchFamily="50" charset="-127"/>
+            </a:endParaRPr>
+          </a:p>
+        </p:txBody>
+      </p:sp>
+      <p:sp>
+        <p:nvSpPr>
+          <p:cNvPr id="4" name="제목 1"/>
+          <p:cNvSpPr txBox="1">
+            <a:spLocks/>
+          </p:cNvSpPr>
+          <p:nvPr/>
+        </p:nvSpPr>
+        <p:spPr>
+          <a:xfrm>
+            <a:off x="683568" y="3573016"/>
+            <a:ext cx="7772400" cy="1470025"/>
+          </a:xfrm>
+          <a:prstGeom prst="rect">
+            <a:avLst/>
+          </a:prstGeom>
+        </p:spPr>
+        <p:txBody>
+          <a:bodyPr vert="horz" lIns="91440" tIns="45720" rIns="91440" bIns="45720" rtlCol="0" anchor="ctr">
+            <a:normAutofit/>
+          </a:bodyPr>
+          <a:lstStyle>
+            <a:lvl1pPr algn="ctr" defTabSz="914400" rtl="0" eaLnBrk="1" latinLnBrk="1" hangingPunct="1">
+              <a:spcBef>
+                <a:spcPct val="0"/>
+              </a:spcBef>
+              <a:buNone/>
+              <a:defRPr sz="4400" kern="1200">
+                <a:solidFill>
+                  <a:schemeClr val="tx1"/>
+                </a:solidFill>
+                <a:latin typeface="+mj-lt"/>
+                <a:ea typeface="+mj-ea"/>
+                <a:cs typeface="+mj-cs"/>
+              </a:defRPr>
+            </a:lvl1pPr>
+          </a:lstStyle>
+          <a:p>
+            <a:r>
+              <a:rPr lang="ko-KR" altLang="en-US" dirty="0">
+                <a:latin typeface="배달의민족 주아" pitchFamily="18" charset="-127"/>
+                <a:ea typeface="배달의민족 주아" pitchFamily="18" charset="-127"/>
+              </a:rPr>
+              <a:t>기계어</a:t>
+            </a:r>
+          </a:p>
+        </p:txBody>
+      </p:sp>
+      <p:sp>
+        <p:nvSpPr>
+          <p:cNvPr id="5" name="직사각형 4"/>
+          <p:cNvSpPr/>
+          <p:nvPr/>
+        </p:nvSpPr>
+        <p:spPr>
+          <a:xfrm>
+            <a:off x="107504" y="116632"/>
+            <a:ext cx="2592288" cy="646331"/>
+          </a:xfrm>
+          <a:prstGeom prst="rect">
+            <a:avLst/>
+          </a:prstGeom>
+        </p:spPr>
+        <p:txBody>
+          <a:bodyPr wrap="square">
+            <a:spAutoFit/>
+          </a:bodyPr>
+          <a:lstStyle/>
+          <a:p>
+            <a:r>
+              <a:rPr lang="en-US" altLang="ko-KR" dirty="0">
+                <a:latin typeface="배달의민족 주아" pitchFamily="18" charset="-127"/>
+                <a:ea typeface="배달의민족 주아" pitchFamily="18" charset="-127"/>
+              </a:rPr>
+              <a:t>1. </a:t>
+            </a:r>
+            <a:r>
+              <a:rPr lang="ko-KR" altLang="en-US" dirty="0">
+                <a:latin typeface="배달의민족 주아" pitchFamily="18" charset="-127"/>
+                <a:ea typeface="배달의민족 주아" pitchFamily="18" charset="-127"/>
+              </a:rPr>
+              <a:t>프로그래밍이란 무엇인가</a:t>
+            </a:r>
+            <a:r>
+              <a:rPr lang="en-US" altLang="ko-KR" dirty="0">
+                <a:latin typeface="배달의민족 주아" pitchFamily="18" charset="-127"/>
+                <a:ea typeface="배달의민족 주아" pitchFamily="18" charset="-127"/>
+              </a:rPr>
+              <a:t>?</a:t>
+            </a:r>
+            <a:br>
+              <a:rPr lang="en-US" altLang="ko-KR" dirty="0">
+                <a:latin typeface="배달의민족 주아" pitchFamily="18" charset="-127"/>
+                <a:ea typeface="배달의민족 주아" pitchFamily="18" charset="-127"/>
+              </a:rPr>
+            </a:br>
+            <a:endParaRPr lang="ko-KR" altLang="en-US" dirty="0"/>
+          </a:p>
+        </p:txBody>
+      </p:sp>
+      <p:pic>
+        <p:nvPicPr>
+          <p:cNvPr id="6" name="그림 5">
+            <a:extLst>
+              <a:ext uri="{FF2B5EF4-FFF2-40B4-BE49-F238E27FC236}">
+                <a16:creationId xmlns:a16="http://schemas.microsoft.com/office/drawing/2014/main" id="{A0139724-65B2-475E-9448-61E032E48D53}"/>
+              </a:ext>
+            </a:extLst>
+          </p:cNvPr>
+          <p:cNvPicPr>
+            <a:picLocks noChangeAspect="1"/>
+          </p:cNvPicPr>
+          <p:nvPr/>
+        </p:nvPicPr>
+        <p:blipFill>
+          <a:blip r:embed="rId2"/>
+          <a:stretch>
+            <a:fillRect/>
+          </a:stretch>
+        </p:blipFill>
+        <p:spPr>
+          <a:xfrm>
+            <a:off x="2268290" y="737083"/>
+            <a:ext cx="4602956" cy="2898403"/>
+          </a:xfrm>
+          <a:prstGeom prst="rect">
+            <a:avLst/>
+          </a:prstGeom>
+          <a:ln>
+            <a:noFill/>
+          </a:ln>
+          <a:effectLst>
+            <a:outerShdw blurRad="190500" algn="tl" rotWithShape="0">
+              <a:srgbClr val="000000">
+                <a:alpha val="70000"/>
+              </a:srgbClr>
+            </a:outerShdw>
+          </a:effectLst>
+        </p:spPr>
+      </p:pic>
+    </p:spTree>
+    <p:extLst>
+      <p:ext uri="{BB962C8B-B14F-4D97-AF65-F5344CB8AC3E}">
+        <p14:creationId xmlns:p14="http://schemas.microsoft.com/office/powerpoint/2010/main" val="1531964726"/>
       </p:ext>
     </p:extLst>
   </p:cSld>
@@ -5397,7 +6427,7 @@
 </p:sld>
 </file>
 
-<file path=ppt/slides/slide4.xml><?xml version="1.0" encoding="utf-8"?>
+<file path=ppt/slides/slide5.xml><?xml version="1.0" encoding="utf-8"?>
 <p:sld xmlns:a="http://schemas.openxmlformats.org/drawingml/2006/main" xmlns:r="http://schemas.openxmlformats.org/officeDocument/2006/relationships" xmlns:p="http://schemas.openxmlformats.org/presentationml/2006/main">
   <p:cSld>
     <p:spTree>
@@ -5432,33 +6462,33 @@
           <a:lstStyle/>
           <a:p>
             <a:r>
-              <a:rPr lang="en-US" altLang="ko-KR" dirty="0" smtClean="0">
+              <a:rPr lang="en-US" altLang="ko-KR" dirty="0">
                 <a:latin typeface="배달의민족 주아" pitchFamily="18" charset="-127"/>
                 <a:ea typeface="배달의민족 주아" pitchFamily="18" charset="-127"/>
               </a:rPr>
               <a:t>1000 1011 0100 0101 1111 1000</a:t>
             </a:r>
             <a:br>
-              <a:rPr lang="en-US" altLang="ko-KR" dirty="0" smtClean="0">
+              <a:rPr lang="en-US" altLang="ko-KR" dirty="0">
                 <a:latin typeface="배달의민족 주아" pitchFamily="18" charset="-127"/>
                 <a:ea typeface="배달의민족 주아" pitchFamily="18" charset="-127"/>
               </a:rPr>
             </a:br>
             <a:r>
-              <a:rPr lang="en-US" altLang="ko-KR" dirty="0" smtClean="0">
+              <a:rPr lang="en-US" altLang="ko-KR" dirty="0">
                 <a:latin typeface="배달의민족 주아" pitchFamily="18" charset="-127"/>
                 <a:ea typeface="배달의민족 주아" pitchFamily="18" charset="-127"/>
               </a:rPr>
               <a:t>1000 0011 1100 0100 0000 1100</a:t>
             </a:r>
             <a:br>
-              <a:rPr lang="en-US" altLang="ko-KR" dirty="0" smtClean="0">
+              <a:rPr lang="en-US" altLang="ko-KR" dirty="0">
                 <a:latin typeface="배달의민족 주아" pitchFamily="18" charset="-127"/>
                 <a:ea typeface="배달의민족 주아" pitchFamily="18" charset="-127"/>
               </a:rPr>
             </a:br>
             <a:r>
-              <a:rPr lang="en-US" altLang="ko-KR" dirty="0" smtClean="0">
+              <a:rPr lang="en-US" altLang="ko-KR" dirty="0">
                 <a:latin typeface="배달의민족 주아" pitchFamily="18" charset="-127"/>
                 <a:ea typeface="배달의민족 주아" pitchFamily="18" charset="-127"/>
               </a:rPr>
@@ -5494,7 +6524,7 @@
           <a:lstStyle/>
           <a:p>
             <a:r>
-              <a:rPr lang="en-US" altLang="ko-KR" dirty="0" smtClean="0">
+              <a:rPr lang="en-US" altLang="ko-KR" dirty="0">
                 <a:solidFill>
                   <a:schemeClr val="accent5"/>
                 </a:solidFill>
@@ -5504,14 +6534,14 @@
               <a:t>S</a:t>
             </a:r>
             <a:r>
-              <a:rPr lang="en-US" altLang="ko-KR" dirty="0" smtClean="0">
+              <a:rPr lang="en-US" altLang="ko-KR" dirty="0">
                 <a:latin typeface="배달의민족 도현" pitchFamily="50" charset="-127"/>
                 <a:ea typeface="배달의민족 도현" pitchFamily="50" charset="-127"/>
               </a:rPr>
               <a:t>TART</a:t>
             </a:r>
             <a:r>
-              <a:rPr lang="en-US" altLang="ko-KR" dirty="0" smtClean="0">
+              <a:rPr lang="en-US" altLang="ko-KR" dirty="0">
                 <a:solidFill>
                   <a:schemeClr val="accent5"/>
                 </a:solidFill>
@@ -5521,7 +6551,7 @@
               <a:t>C</a:t>
             </a:r>
             <a:r>
-              <a:rPr lang="en-US" altLang="ko-KR" dirty="0" smtClean="0">
+              <a:rPr lang="en-US" altLang="ko-KR" dirty="0">
                 <a:latin typeface="배달의민족 도현" pitchFamily="50" charset="-127"/>
                 <a:ea typeface="배달의민족 도현" pitchFamily="50" charset="-127"/>
               </a:rPr>
@@ -5573,7 +6603,7 @@
           </a:lstStyle>
           <a:p>
             <a:r>
-              <a:rPr lang="en-US" altLang="ko-KR" dirty="0" smtClean="0">
+              <a:rPr lang="en-US" altLang="ko-KR" dirty="0">
                 <a:latin typeface="배달의민족 주아" pitchFamily="18" charset="-127"/>
                 <a:ea typeface="배달의민족 주아" pitchFamily="18" charset="-127"/>
               </a:rPr>
@@ -5586,10 +6616,103 @@
           </a:p>
         </p:txBody>
       </p:sp>
+      <p:sp>
+        <p:nvSpPr>
+          <p:cNvPr id="6" name="직사각형 5"/>
+          <p:cNvSpPr/>
+          <p:nvPr/>
+        </p:nvSpPr>
+        <p:spPr>
+          <a:xfrm>
+            <a:off x="107504" y="116632"/>
+            <a:ext cx="2592288" cy="646331"/>
+          </a:xfrm>
+          <a:prstGeom prst="rect">
+            <a:avLst/>
+          </a:prstGeom>
+        </p:spPr>
+        <p:txBody>
+          <a:bodyPr wrap="square">
+            <a:spAutoFit/>
+          </a:bodyPr>
+          <a:lstStyle/>
+          <a:p>
+            <a:r>
+              <a:rPr lang="en-US" altLang="ko-KR" dirty="0">
+                <a:latin typeface="배달의민족 주아" pitchFamily="18" charset="-127"/>
+                <a:ea typeface="배달의민족 주아" pitchFamily="18" charset="-127"/>
+              </a:rPr>
+              <a:t>1. </a:t>
+            </a:r>
+            <a:r>
+              <a:rPr lang="ko-KR" altLang="en-US" dirty="0">
+                <a:latin typeface="배달의민족 주아" pitchFamily="18" charset="-127"/>
+                <a:ea typeface="배달의민족 주아" pitchFamily="18" charset="-127"/>
+              </a:rPr>
+              <a:t>프로그래밍이란 무엇인가</a:t>
+            </a:r>
+            <a:r>
+              <a:rPr lang="en-US" altLang="ko-KR" dirty="0">
+                <a:latin typeface="배달의민족 주아" pitchFamily="18" charset="-127"/>
+                <a:ea typeface="배달의민족 주아" pitchFamily="18" charset="-127"/>
+              </a:rPr>
+              <a:t>?</a:t>
+            </a:r>
+            <a:br>
+              <a:rPr lang="en-US" altLang="ko-KR" dirty="0">
+                <a:latin typeface="배달의민족 주아" pitchFamily="18" charset="-127"/>
+                <a:ea typeface="배달의민족 주아" pitchFamily="18" charset="-127"/>
+              </a:rPr>
+            </a:br>
+            <a:endParaRPr lang="ko-KR" altLang="en-US" dirty="0"/>
+          </a:p>
+        </p:txBody>
+      </p:sp>
+      <p:pic>
+        <p:nvPicPr>
+          <p:cNvPr id="7" name="Picture 4" descr="C:\Users\Administrator\Downloads\free-icon-confused-742826.png"/>
+          <p:cNvPicPr>
+            <a:picLocks noChangeAspect="1" noChangeArrowheads="1"/>
+          </p:cNvPicPr>
+          <p:nvPr/>
+        </p:nvPicPr>
+        <p:blipFill>
+          <a:blip r:embed="rId2" cstate="print">
+            <a:extLst>
+              <a:ext uri="{28A0092B-C50C-407E-A947-70E740481C1C}">
+                <a14:useLocalDpi xmlns:a14="http://schemas.microsoft.com/office/drawing/2010/main" val="0"/>
+              </a:ext>
+            </a:extLst>
+          </a:blip>
+          <a:srcRect/>
+          <a:stretch>
+            <a:fillRect/>
+          </a:stretch>
+        </p:blipFill>
+        <p:spPr bwMode="auto">
+          <a:xfrm>
+            <a:off x="3966072" y="4293096"/>
+            <a:ext cx="1224136" cy="1224136"/>
+          </a:xfrm>
+          <a:prstGeom prst="rect">
+            <a:avLst/>
+          </a:prstGeom>
+          <a:noFill/>
+          <a:extLst>
+            <a:ext uri="{909E8E84-426E-40DD-AFC4-6F175D3DCCD1}">
+              <a14:hiddenFill xmlns:a14="http://schemas.microsoft.com/office/drawing/2010/main">
+                <a:solidFill>
+                  <a:srgbClr val="FFFFFF"/>
+                </a:solidFill>
+              </a14:hiddenFill>
+            </a:ext>
+          </a:extLst>
+        </p:spPr>
+      </p:pic>
     </p:spTree>
     <p:extLst>
       <p:ext uri="{BB962C8B-B14F-4D97-AF65-F5344CB8AC3E}">
-        <p14:creationId xmlns:p14="http://schemas.microsoft.com/office/powerpoint/2010/main" val="3945663600"/>
+        <p14:creationId xmlns:p14="http://schemas.microsoft.com/office/powerpoint/2010/main" val="3159213784"/>
       </p:ext>
     </p:extLst>
   </p:cSld>
@@ -5657,6 +6780,128 @@
                       </p:childTnLst>
                     </p:cTn>
                   </p:par>
+                  <p:par>
+                    <p:cTn id="8" fill="hold">
+                      <p:stCondLst>
+                        <p:cond delay="indefinite"/>
+                      </p:stCondLst>
+                      <p:childTnLst>
+                        <p:par>
+                          <p:cTn id="9" fill="hold">
+                            <p:stCondLst>
+                              <p:cond delay="0"/>
+                            </p:stCondLst>
+                            <p:childTnLst>
+                              <p:par>
+                                <p:cTn id="10" presetID="31" presetClass="entr" presetSubtype="0" fill="hold" nodeType="clickEffect">
+                                  <p:stCondLst>
+                                    <p:cond delay="0"/>
+                                  </p:stCondLst>
+                                  <p:childTnLst>
+                                    <p:set>
+                                      <p:cBhvr>
+                                        <p:cTn id="11" dur="1" fill="hold">
+                                          <p:stCondLst>
+                                            <p:cond delay="0"/>
+                                          </p:stCondLst>
+                                        </p:cTn>
+                                        <p:tgtEl>
+                                          <p:spTgt spid="7"/>
+                                        </p:tgtEl>
+                                        <p:attrNameLst>
+                                          <p:attrName>style.visibility</p:attrName>
+                                        </p:attrNameLst>
+                                      </p:cBhvr>
+                                      <p:to>
+                                        <p:strVal val="visible"/>
+                                      </p:to>
+                                    </p:set>
+                                    <p:anim calcmode="lin" valueType="num">
+                                      <p:cBhvr>
+                                        <p:cTn id="12" dur="1000" fill="hold"/>
+                                        <p:tgtEl>
+                                          <p:spTgt spid="7"/>
+                                        </p:tgtEl>
+                                        <p:attrNameLst>
+                                          <p:attrName>ppt_w</p:attrName>
+                                        </p:attrNameLst>
+                                      </p:cBhvr>
+                                      <p:tavLst>
+                                        <p:tav tm="0">
+                                          <p:val>
+                                            <p:fltVal val="0"/>
+                                          </p:val>
+                                        </p:tav>
+                                        <p:tav tm="100000">
+                                          <p:val>
+                                            <p:strVal val="#ppt_w"/>
+                                          </p:val>
+                                        </p:tav>
+                                      </p:tavLst>
+                                    </p:anim>
+                                    <p:anim calcmode="lin" valueType="num">
+                                      <p:cBhvr>
+                                        <p:cTn id="13" dur="1000" fill="hold"/>
+                                        <p:tgtEl>
+                                          <p:spTgt spid="7"/>
+                                        </p:tgtEl>
+                                        <p:attrNameLst>
+                                          <p:attrName>ppt_h</p:attrName>
+                                        </p:attrNameLst>
+                                      </p:cBhvr>
+                                      <p:tavLst>
+                                        <p:tav tm="0">
+                                          <p:val>
+                                            <p:fltVal val="0"/>
+                                          </p:val>
+                                        </p:tav>
+                                        <p:tav tm="100000">
+                                          <p:val>
+                                            <p:strVal val="#ppt_h"/>
+                                          </p:val>
+                                        </p:tav>
+                                      </p:tavLst>
+                                    </p:anim>
+                                    <p:anim calcmode="lin" valueType="num">
+                                      <p:cBhvr>
+                                        <p:cTn id="14" dur="1000" fill="hold"/>
+                                        <p:tgtEl>
+                                          <p:spTgt spid="7"/>
+                                        </p:tgtEl>
+                                        <p:attrNameLst>
+                                          <p:attrName>style.rotation</p:attrName>
+                                        </p:attrNameLst>
+                                      </p:cBhvr>
+                                      <p:tavLst>
+                                        <p:tav tm="0">
+                                          <p:val>
+                                            <p:fltVal val="90"/>
+                                          </p:val>
+                                        </p:tav>
+                                        <p:tav tm="100000">
+                                          <p:val>
+                                            <p:fltVal val="0"/>
+                                          </p:val>
+                                        </p:tav>
+                                      </p:tavLst>
+                                    </p:anim>
+                                    <p:animEffect transition="in" filter="fade">
+                                      <p:cBhvr>
+                                        <p:cTn id="15" dur="1000"/>
+                                        <p:tgtEl>
+                                          <p:spTgt spid="7"/>
+                                        </p:tgtEl>
+                                      </p:cBhvr>
+                                    </p:animEffect>
+                                  </p:childTnLst>
+                                </p:cTn>
+                              </p:par>
+                            </p:childTnLst>
+                          </p:cTn>
+                        </p:par>
+                      </p:childTnLst>
+                    </p:cTn>
+                  </p:par>
                 </p:childTnLst>
               </p:cTn>
               <p:prevCondLst>
@@ -5685,7 +6930,7 @@
 </p:sld>
 </file>
 
-<file path=ppt/slides/slide5.xml><?xml version="1.0" encoding="utf-8"?>
+<file path=ppt/slides/slide6.xml><?xml version="1.0" encoding="utf-8"?>
 <p:sld xmlns:a="http://schemas.openxmlformats.org/drawingml/2006/main" xmlns:r="http://schemas.openxmlformats.org/officeDocument/2006/relationships" xmlns:p="http://schemas.openxmlformats.org/presentationml/2006/main">
   <p:cSld>
     <p:spTree>
@@ -5723,16 +6968,12 @@
           <a:lstStyle/>
           <a:p>
             <a:r>
-              <a:rPr lang="ko-KR" altLang="en-US" dirty="0" smtClean="0">
+              <a:rPr lang="ko-KR" altLang="en-US" dirty="0">
                 <a:latin typeface="배달의민족 주아" pitchFamily="18" charset="-127"/>
                 <a:ea typeface="배달의민족 주아" pitchFamily="18" charset="-127"/>
               </a:rPr>
               <a:t>어셈블리어</a:t>
             </a:r>
-            <a:endParaRPr lang="ko-KR" altLang="en-US" dirty="0">
-              <a:latin typeface="배달의민족 주아" pitchFamily="18" charset="-127"/>
-              <a:ea typeface="배달의민족 주아" pitchFamily="18" charset="-127"/>
-            </a:endParaRPr>
           </a:p>
         </p:txBody>
       </p:sp>
@@ -5759,7 +7000,7 @@
           <a:lstStyle/>
           <a:p>
             <a:r>
-              <a:rPr lang="en-US" altLang="ko-KR" dirty="0" smtClean="0">
+              <a:rPr lang="en-US" altLang="ko-KR" dirty="0">
                 <a:solidFill>
                   <a:schemeClr val="accent5"/>
                 </a:solidFill>
@@ -5769,14 +7010,14 @@
               <a:t>S</a:t>
             </a:r>
             <a:r>
-              <a:rPr lang="en-US" altLang="ko-KR" dirty="0" smtClean="0">
+              <a:rPr lang="en-US" altLang="ko-KR" dirty="0">
                 <a:latin typeface="배달의민족 도현" pitchFamily="50" charset="-127"/>
                 <a:ea typeface="배달의민족 도현" pitchFamily="50" charset="-127"/>
               </a:rPr>
               <a:t>TART</a:t>
             </a:r>
             <a:r>
-              <a:rPr lang="en-US" altLang="ko-KR" dirty="0" smtClean="0">
+              <a:rPr lang="en-US" altLang="ko-KR" dirty="0">
                 <a:solidFill>
                   <a:schemeClr val="accent5"/>
                 </a:solidFill>
@@ -5786,7 +7027,7 @@
               <a:t>C</a:t>
             </a:r>
             <a:r>
-              <a:rPr lang="en-US" altLang="ko-KR" dirty="0" smtClean="0">
+              <a:rPr lang="en-US" altLang="ko-KR" dirty="0">
                 <a:latin typeface="배달의민족 도현" pitchFamily="50" charset="-127"/>
                 <a:ea typeface="배달의민족 도현" pitchFamily="50" charset="-127"/>
               </a:rPr>
@@ -5838,16 +7079,12 @@
           </a:lstStyle>
           <a:p>
             <a:r>
-              <a:rPr lang="ko-KR" altLang="en-US" dirty="0" smtClean="0">
+              <a:rPr lang="ko-KR" altLang="en-US" dirty="0">
                 <a:latin typeface="배달의민족 주아" pitchFamily="18" charset="-127"/>
                 <a:ea typeface="배달의민족 주아" pitchFamily="18" charset="-127"/>
               </a:rPr>
               <a:t>기계어</a:t>
             </a:r>
-            <a:endParaRPr lang="ko-KR" altLang="en-US" dirty="0">
-              <a:latin typeface="배달의민족 주아" pitchFamily="18" charset="-127"/>
-              <a:ea typeface="배달의민족 주아" pitchFamily="18" charset="-127"/>
-            </a:endParaRPr>
           </a:p>
         </p:txBody>
       </p:sp>
@@ -5890,16 +7127,12 @@
           </a:lstStyle>
           <a:p>
             <a:r>
-              <a:rPr lang="ko-KR" altLang="en-US" dirty="0" smtClean="0">
+              <a:rPr lang="ko-KR" altLang="en-US" dirty="0">
                 <a:latin typeface="배달의민족 주아" pitchFamily="18" charset="-127"/>
                 <a:ea typeface="배달의민족 주아" pitchFamily="18" charset="-127"/>
               </a:rPr>
               <a:t>고급언어</a:t>
             </a:r>
-            <a:endParaRPr lang="ko-KR" altLang="en-US" dirty="0">
-              <a:latin typeface="배달의민족 주아" pitchFamily="18" charset="-127"/>
-              <a:ea typeface="배달의민족 주아" pitchFamily="18" charset="-127"/>
-            </a:endParaRPr>
           </a:p>
         </p:txBody>
       </p:sp>
@@ -6000,10 +7233,62 @@
           </a:p>
         </p:txBody>
       </p:sp>
+      <p:sp>
+        <p:nvSpPr>
+          <p:cNvPr id="9" name="직사각형 8"/>
+          <p:cNvSpPr/>
+          <p:nvPr/>
+        </p:nvSpPr>
+        <p:spPr>
+          <a:xfrm>
+            <a:off x="107504" y="116632"/>
+            <a:ext cx="2592288" cy="646331"/>
+          </a:xfrm>
+          <a:prstGeom prst="rect">
+            <a:avLst/>
+          </a:prstGeom>
+        </p:spPr>
+        <p:txBody>
+          <a:bodyPr wrap="square">
+            <a:spAutoFit/>
+          </a:bodyPr>
+          <a:lstStyle/>
+          <a:p>
+            <a:r>
+              <a:rPr lang="en-US" altLang="ko-KR" dirty="0">
+                <a:latin typeface="배달의민족 주아" pitchFamily="18" charset="-127"/>
+                <a:ea typeface="배달의민족 주아" pitchFamily="18" charset="-127"/>
+              </a:rPr>
+              <a:t>1. </a:t>
+            </a:r>
+            <a:r>
+              <a:rPr lang="ko-KR" altLang="en-US" dirty="0">
+                <a:latin typeface="배달의민족 주아" pitchFamily="18" charset="-127"/>
+                <a:ea typeface="배달의민족 주아" pitchFamily="18" charset="-127"/>
+              </a:rPr>
+              <a:t>프로그래밍이란 무엇인가</a:t>
+            </a:r>
+            <a:r>
+              <a:rPr lang="en-US" altLang="ko-KR" dirty="0">
+                <a:latin typeface="배달의민족 주아" pitchFamily="18" charset="-127"/>
+                <a:ea typeface="배달의민족 주아" pitchFamily="18" charset="-127"/>
+              </a:rPr>
+              <a:t>?</a:t>
+            </a:r>
+            <a:br>
+              <a:rPr lang="en-US" altLang="ko-KR" dirty="0">
+                <a:latin typeface="배달의민족 주아" pitchFamily="18" charset="-127"/>
+                <a:ea typeface="배달의민족 주아" pitchFamily="18" charset="-127"/>
+              </a:rPr>
+            </a:br>
+            <a:endParaRPr lang="ko-KR" altLang="en-US" dirty="0"/>
+          </a:p>
+        </p:txBody>
+      </p:sp>
     </p:spTree>
     <p:extLst>
       <p:ext uri="{BB962C8B-B14F-4D97-AF65-F5344CB8AC3E}">
-        <p14:creationId xmlns:p14="http://schemas.microsoft.com/office/powerpoint/2010/main" val="1761015727"/>
+        <p14:creationId xmlns:p14="http://schemas.microsoft.com/office/powerpoint/2010/main" val="1446664226"/>
       </p:ext>
     </p:extLst>
   </p:cSld>
@@ -6277,7 +7562,7 @@
 </p:sld>
 </file>
 
-<file path=ppt/slides/slide6.xml><?xml version="1.0" encoding="utf-8"?>
+<file path=ppt/slides/slide7.xml><?xml version="1.0" encoding="utf-8"?>
 <p:sld xmlns:a="http://schemas.openxmlformats.org/drawingml/2006/main" xmlns:r="http://schemas.openxmlformats.org/officeDocument/2006/relationships" xmlns:p="http://schemas.openxmlformats.org/presentationml/2006/main">
   <p:cSld>
     <p:spTree>
@@ -6315,16 +7600,12 @@
           <a:lstStyle/>
           <a:p>
             <a:r>
-              <a:rPr lang="ko-KR" altLang="en-US" dirty="0" smtClean="0">
+              <a:rPr lang="ko-KR" altLang="en-US" dirty="0">
                 <a:latin typeface="배달의민족 주아" pitchFamily="18" charset="-127"/>
                 <a:ea typeface="배달의민족 주아" pitchFamily="18" charset="-127"/>
               </a:rPr>
               <a:t>고급언어</a:t>
             </a:r>
-            <a:endParaRPr lang="ko-KR" altLang="en-US" dirty="0">
-              <a:latin typeface="배달의민족 주아" pitchFamily="18" charset="-127"/>
-              <a:ea typeface="배달의민족 주아" pitchFamily="18" charset="-127"/>
-            </a:endParaRPr>
           </a:p>
         </p:txBody>
       </p:sp>
@@ -6351,7 +7632,7 @@
           <a:lstStyle/>
           <a:p>
             <a:r>
-              <a:rPr lang="en-US" altLang="ko-KR" dirty="0" smtClean="0">
+              <a:rPr lang="en-US" altLang="ko-KR" dirty="0">
                 <a:solidFill>
                   <a:schemeClr val="accent5"/>
                 </a:solidFill>
@@ -6361,14 +7642,14 @@
               <a:t>S</a:t>
             </a:r>
             <a:r>
-              <a:rPr lang="en-US" altLang="ko-KR" dirty="0" smtClean="0">
+              <a:rPr lang="en-US" altLang="ko-KR" dirty="0">
                 <a:latin typeface="배달의민족 도현" pitchFamily="50" charset="-127"/>
                 <a:ea typeface="배달의민족 도현" pitchFamily="50" charset="-127"/>
               </a:rPr>
               <a:t>TART</a:t>
             </a:r>
             <a:r>
-              <a:rPr lang="en-US" altLang="ko-KR" dirty="0" smtClean="0">
+              <a:rPr lang="en-US" altLang="ko-KR" dirty="0">
                 <a:solidFill>
                   <a:schemeClr val="accent5"/>
                 </a:solidFill>
@@ -6378,7 +7659,7 @@
               <a:t>C</a:t>
             </a:r>
             <a:r>
-              <a:rPr lang="en-US" altLang="ko-KR" dirty="0" smtClean="0">
+              <a:rPr lang="en-US" altLang="ko-KR" dirty="0">
                 <a:latin typeface="배달의민족 도현" pitchFamily="50" charset="-127"/>
                 <a:ea typeface="배달의민족 도현" pitchFamily="50" charset="-127"/>
               </a:rPr>
@@ -6555,10 +7836,62 @@
           </a:extLst>
         </p:spPr>
       </p:pic>
+      <p:sp>
+        <p:nvSpPr>
+          <p:cNvPr id="8" name="직사각형 7"/>
+          <p:cNvSpPr/>
+          <p:nvPr/>
+        </p:nvSpPr>
+        <p:spPr>
+          <a:xfrm>
+            <a:off x="107504" y="116632"/>
+            <a:ext cx="2592288" cy="646331"/>
+          </a:xfrm>
+          <a:prstGeom prst="rect">
+            <a:avLst/>
+          </a:prstGeom>
+        </p:spPr>
+        <p:txBody>
+          <a:bodyPr wrap="square">
+            <a:spAutoFit/>
+          </a:bodyPr>
+          <a:lstStyle/>
+          <a:p>
+            <a:r>
+              <a:rPr lang="en-US" altLang="ko-KR" dirty="0">
+                <a:latin typeface="배달의민족 주아" pitchFamily="18" charset="-127"/>
+                <a:ea typeface="배달의민족 주아" pitchFamily="18" charset="-127"/>
+              </a:rPr>
+              <a:t>1. </a:t>
+            </a:r>
+            <a:r>
+              <a:rPr lang="ko-KR" altLang="en-US" dirty="0">
+                <a:latin typeface="배달의민족 주아" pitchFamily="18" charset="-127"/>
+                <a:ea typeface="배달의민족 주아" pitchFamily="18" charset="-127"/>
+              </a:rPr>
+              <a:t>프로그래밍이란 무엇인가</a:t>
+            </a:r>
+            <a:r>
+              <a:rPr lang="en-US" altLang="ko-KR" dirty="0">
+                <a:latin typeface="배달의민족 주아" pitchFamily="18" charset="-127"/>
+                <a:ea typeface="배달의민족 주아" pitchFamily="18" charset="-127"/>
+              </a:rPr>
+              <a:t>?</a:t>
+            </a:r>
+            <a:br>
+              <a:rPr lang="en-US" altLang="ko-KR" dirty="0">
+                <a:latin typeface="배달의민족 주아" pitchFamily="18" charset="-127"/>
+                <a:ea typeface="배달의민족 주아" pitchFamily="18" charset="-127"/>
+              </a:rPr>
+            </a:br>
+            <a:endParaRPr lang="ko-KR" altLang="en-US" dirty="0"/>
+          </a:p>
+        </p:txBody>
+      </p:sp>
     </p:spTree>
     <p:extLst>
       <p:ext uri="{BB962C8B-B14F-4D97-AF65-F5344CB8AC3E}">
-        <p14:creationId xmlns:p14="http://schemas.microsoft.com/office/powerpoint/2010/main" val="1257734880"/>
+        <p14:creationId xmlns:p14="http://schemas.microsoft.com/office/powerpoint/2010/main" val="1270554138"/>
       </p:ext>
     </p:extLst>
   </p:cSld>
@@ -6756,149 +8089,6 @@
 </p:sld>
 </file>
 
-<file path=ppt/slides/slide7.xml><?xml version="1.0" encoding="utf-8"?>
-<p:sld xmlns:a="http://schemas.openxmlformats.org/drawingml/2006/main" xmlns:r="http://schemas.openxmlformats.org/officeDocument/2006/relationships" xmlns:p="http://schemas.openxmlformats.org/presentationml/2006/main">
-  <p:cSld>
-    <p:spTree>
-      <p:nvGrpSpPr>
-        <p:cNvPr id="1" name=""/>
-        <p:cNvGrpSpPr/>
-        <p:nvPr/>
-      </p:nvGrpSpPr>
-      <p:grpSpPr>
-        <a:xfrm>
-          <a:off x="0" y="0"/>
-          <a:ext cx="0" cy="0"/>
-          <a:chOff x="0" y="0"/>
-          <a:chExt cx="0" cy="0"/>
-        </a:xfrm>
-      </p:grpSpPr>
-      <p:sp>
-        <p:nvSpPr>
-          <p:cNvPr id="2" name="제목 1"/>
-          <p:cNvSpPr>
-            <a:spLocks noGrp="1"/>
-          </p:cNvSpPr>
-          <p:nvPr>
-            <p:ph type="ctrTitle"/>
-          </p:nvPr>
-        </p:nvSpPr>
-        <p:spPr/>
-        <p:txBody>
-          <a:bodyPr/>
-          <a:lstStyle/>
-          <a:p>
-            <a:r>
-              <a:rPr lang="ko-KR" altLang="en-US" dirty="0" err="1" smtClean="0">
-                <a:latin typeface="배달의민족 주아" pitchFamily="18" charset="-127"/>
-                <a:ea typeface="배달의민족 주아" pitchFamily="18" charset="-127"/>
-              </a:rPr>
-              <a:t>웹프로그래밍</a:t>
-            </a:r>
-            <a:r>
-              <a:rPr lang="ko-KR" altLang="en-US" dirty="0" smtClean="0">
-                <a:latin typeface="배달의민족 주아" pitchFamily="18" charset="-127"/>
-                <a:ea typeface="배달의민족 주아" pitchFamily="18" charset="-127"/>
-              </a:rPr>
-              <a:t> 이란</a:t>
-            </a:r>
-            <a:r>
-              <a:rPr lang="en-US" altLang="ko-KR" dirty="0" smtClean="0">
-                <a:latin typeface="배달의민족 주아" pitchFamily="18" charset="-127"/>
-                <a:ea typeface="배달의민족 주아" pitchFamily="18" charset="-127"/>
-              </a:rPr>
-              <a:t>?</a:t>
-            </a:r>
-            <a:endParaRPr lang="ko-KR" altLang="en-US" dirty="0">
-              <a:latin typeface="배달의민족 주아" pitchFamily="18" charset="-127"/>
-              <a:ea typeface="배달의민족 주아" pitchFamily="18" charset="-127"/>
-            </a:endParaRPr>
-          </a:p>
-        </p:txBody>
-      </p:sp>
-      <p:sp>
-        <p:nvSpPr>
-          <p:cNvPr id="3" name="TextBox 2"/>
-          <p:cNvSpPr txBox="1"/>
-          <p:nvPr/>
-        </p:nvSpPr>
-        <p:spPr>
-          <a:xfrm>
-            <a:off x="6588224" y="6165304"/>
-            <a:ext cx="1838965" cy="369332"/>
-          </a:xfrm>
-          <a:prstGeom prst="rect">
-            <a:avLst/>
-          </a:prstGeom>
-          <a:noFill/>
-        </p:spPr>
-        <p:txBody>
-          <a:bodyPr wrap="none" rtlCol="0">
-            <a:spAutoFit/>
-          </a:bodyPr>
-          <a:lstStyle/>
-          <a:p>
-            <a:r>
-              <a:rPr lang="en-US" altLang="ko-KR" dirty="0" smtClean="0">
-                <a:solidFill>
-                  <a:schemeClr val="accent5"/>
-                </a:solidFill>
-                <a:latin typeface="배달의민족 도현" pitchFamily="50" charset="-127"/>
-                <a:ea typeface="배달의민족 도현" pitchFamily="50" charset="-127"/>
-              </a:rPr>
-              <a:t>S</a:t>
-            </a:r>
-            <a:r>
-              <a:rPr lang="en-US" altLang="ko-KR" dirty="0" smtClean="0">
-                <a:latin typeface="배달의민족 도현" pitchFamily="50" charset="-127"/>
-                <a:ea typeface="배달의민족 도현" pitchFamily="50" charset="-127"/>
-              </a:rPr>
-              <a:t>TART</a:t>
-            </a:r>
-            <a:r>
-              <a:rPr lang="en-US" altLang="ko-KR" dirty="0" smtClean="0">
-                <a:solidFill>
-                  <a:schemeClr val="accent5"/>
-                </a:solidFill>
-                <a:latin typeface="배달의민족 도현" pitchFamily="50" charset="-127"/>
-                <a:ea typeface="배달의민족 도현" pitchFamily="50" charset="-127"/>
-              </a:rPr>
-              <a:t>C</a:t>
-            </a:r>
-            <a:r>
-              <a:rPr lang="en-US" altLang="ko-KR" dirty="0" smtClean="0">
-                <a:latin typeface="배달의민족 도현" pitchFamily="50" charset="-127"/>
-                <a:ea typeface="배달의민족 도현" pitchFamily="50" charset="-127"/>
-              </a:rPr>
-              <a:t>ODING</a:t>
-            </a:r>
-            <a:endParaRPr lang="ko-KR" altLang="en-US" dirty="0">
-              <a:latin typeface="배달의민족 도현" pitchFamily="50" charset="-127"/>
-              <a:ea typeface="배달의민족 도현" pitchFamily="50" charset="-127"/>
-            </a:endParaRPr>
-          </a:p>
-        </p:txBody>
-      </p:sp>
-    </p:spTree>
-    <p:extLst>
-      <p:ext uri="{BB962C8B-B14F-4D97-AF65-F5344CB8AC3E}">
-        <p14:creationId xmlns:p14="http://schemas.microsoft.com/office/powerpoint/2010/main" val="3842579216"/>
-      </p:ext>
-    </p:extLst>
-  </p:cSld>
-  <p:clrMapOvr>
-    <a:masterClrMapping/>
-  </p:clrMapOvr>
-  <p:timing>
-    <p:tnLst>
-      <p:par>
-        <p:cTn id="1" dur="indefinite" restart="never" nodeType="tmRoot"/>
-      </p:par>
-    </p:tnLst>
-  </p:timing>
-</p:sld>
-</file>
-
 <file path=ppt/slides/slide8.xml><?xml version="1.0" encoding="utf-8"?>
 <p:sld xmlns:a="http://schemas.openxmlformats.org/drawingml/2006/main" xmlns:r="http://schemas.openxmlformats.org/officeDocument/2006/relationships" xmlns:p="http://schemas.openxmlformats.org/presentationml/2006/main">
   <p:cSld>
@@ -6918,6 +8108,47 @@
       </p:grpSpPr>
       <p:sp>
         <p:nvSpPr>
+          <p:cNvPr id="2" name="제목 1"/>
+          <p:cNvSpPr>
+            <a:spLocks noGrp="1"/>
+          </p:cNvSpPr>
+          <p:nvPr>
+            <p:ph type="ctrTitle"/>
+          </p:nvPr>
+        </p:nvSpPr>
+        <p:spPr>
+          <a:xfrm>
+            <a:off x="685800" y="1395410"/>
+            <a:ext cx="7772400" cy="1470025"/>
+          </a:xfrm>
+        </p:spPr>
+        <p:txBody>
+          <a:bodyPr/>
+          <a:lstStyle/>
+          <a:p>
+            <a:r>
+              <a:rPr lang="ko-KR" altLang="en-US" dirty="0">
+                <a:latin typeface="배달의민족 주아" pitchFamily="18" charset="-127"/>
+                <a:ea typeface="배달의민족 주아" pitchFamily="18" charset="-127"/>
+              </a:rPr>
+              <a:t>웹 프로그래밍 이란</a:t>
+            </a:r>
+            <a:r>
+              <a:rPr lang="en-US" altLang="ko-KR" dirty="0">
+                <a:latin typeface="배달의민족 주아" pitchFamily="18" charset="-127"/>
+                <a:ea typeface="배달의민족 주아" pitchFamily="18" charset="-127"/>
+              </a:rPr>
+              <a:t>?</a:t>
+            </a:r>
+            <a:endParaRPr lang="ko-KR" altLang="en-US" dirty="0">
+              <a:latin typeface="배달의민족 주아" pitchFamily="18" charset="-127"/>
+              <a:ea typeface="배달의민족 주아" pitchFamily="18" charset="-127"/>
+            </a:endParaRPr>
+          </a:p>
+        </p:txBody>
+      </p:sp>
+      <p:sp>
+        <p:nvSpPr>
           <p:cNvPr id="3" name="TextBox 2"/>
           <p:cNvSpPr txBox="1"/>
           <p:nvPr/>
@@ -6939,7 +8170,7 @@
           <a:lstStyle/>
           <a:p>
             <a:r>
-              <a:rPr lang="en-US" altLang="ko-KR" dirty="0" smtClean="0">
+              <a:rPr lang="en-US" altLang="ko-KR" dirty="0">
                 <a:solidFill>
                   <a:schemeClr val="accent5"/>
                 </a:solidFill>
@@ -6949,14 +8180,14 @@
               <a:t>S</a:t>
             </a:r>
             <a:r>
-              <a:rPr lang="en-US" altLang="ko-KR" dirty="0" smtClean="0">
+              <a:rPr lang="en-US" altLang="ko-KR" dirty="0">
                 <a:latin typeface="배달의민족 도현" pitchFamily="50" charset="-127"/>
                 <a:ea typeface="배달의민족 도현" pitchFamily="50" charset="-127"/>
               </a:rPr>
               <a:t>TART</a:t>
             </a:r>
             <a:r>
-              <a:rPr lang="en-US" altLang="ko-KR" dirty="0" smtClean="0">
+              <a:rPr lang="en-US" altLang="ko-KR" dirty="0">
                 <a:solidFill>
                   <a:schemeClr val="accent5"/>
                 </a:solidFill>
@@ -6966,7 +8197,7 @@
               <a:t>C</a:t>
             </a:r>
             <a:r>
-              <a:rPr lang="en-US" altLang="ko-KR" dirty="0" smtClean="0">
+              <a:rPr lang="en-US" altLang="ko-KR" dirty="0">
                 <a:latin typeface="배달의민족 도현" pitchFamily="50" charset="-127"/>
                 <a:ea typeface="배달의민족 도현" pitchFamily="50" charset="-127"/>
               </a:rPr>
@@ -6979,51 +8210,334 @@
           </a:p>
         </p:txBody>
       </p:sp>
-      <p:pic>
-        <p:nvPicPr>
-          <p:cNvPr id="2050" name="Picture 2" descr="C:\Users\Administrator\Downloads\browser-773215_1920.png"/>
-          <p:cNvPicPr>
-            <a:picLocks noChangeAspect="1" noChangeArrowheads="1"/>
-          </p:cNvPicPr>
-          <p:nvPr/>
-        </p:nvPicPr>
-        <p:blipFill>
-          <a:blip r:embed="rId2" cstate="print">
+      <p:sp>
+        <p:nvSpPr>
+          <p:cNvPr id="5" name="제목 1">
             <a:extLst>
-              <a:ext uri="{28A0092B-C50C-407E-A947-70E740481C1C}">
-                <a14:useLocalDpi xmlns:a14="http://schemas.microsoft.com/office/drawing/2010/main" val="0"/>
+              <a:ext uri="{FF2B5EF4-FFF2-40B4-BE49-F238E27FC236}">
+                <a16:creationId xmlns:a16="http://schemas.microsoft.com/office/drawing/2014/main" id="{9B282261-9526-40A5-A561-489C7468D1F7}"/>
               </a:ext>
             </a:extLst>
-          </a:blip>
-          <a:srcRect/>
-          <a:stretch>
-            <a:fillRect/>
-          </a:stretch>
-        </p:blipFill>
-        <p:spPr bwMode="auto">
-          <a:xfrm>
-            <a:off x="2123728" y="1268760"/>
-            <a:ext cx="4608512" cy="4608512"/>
+          </p:cNvPr>
+          <p:cNvSpPr txBox="1">
+            <a:spLocks/>
+          </p:cNvSpPr>
+          <p:nvPr/>
+        </p:nvSpPr>
+        <p:spPr>
+          <a:xfrm>
+            <a:off x="685800" y="2996952"/>
+            <a:ext cx="7772400" cy="1470025"/>
           </a:xfrm>
           <a:prstGeom prst="rect">
             <a:avLst/>
           </a:prstGeom>
-          <a:noFill/>
-          <a:extLst>
-            <a:ext uri="{909E8E84-426E-40DD-AFC4-6F175D3DCCD1}">
-              <a14:hiddenFill xmlns:a14="http://schemas.microsoft.com/office/drawing/2010/main">
-                <a:solidFill>
-                  <a:srgbClr val="FFFFFF"/>
-                </a:solidFill>
-              </a14:hiddenFill>
-            </a:ext>
-          </a:extLst>
-        </p:spPr>
-      </p:pic>
+        </p:spPr>
+        <p:txBody>
+          <a:bodyPr vert="horz" lIns="91440" tIns="45720" rIns="91440" bIns="45720" rtlCol="0" anchor="ctr">
+            <a:normAutofit/>
+          </a:bodyPr>
+          <a:lstStyle>
+            <a:lvl1pPr algn="ctr" defTabSz="914400" rtl="0" eaLnBrk="1" latinLnBrk="1" hangingPunct="1">
+              <a:spcBef>
+                <a:spcPct val="0"/>
+              </a:spcBef>
+              <a:buNone/>
+              <a:defRPr sz="4400" kern="1200">
+                <a:solidFill>
+                  <a:schemeClr val="tx1"/>
+                </a:solidFill>
+                <a:latin typeface="+mj-lt"/>
+                <a:ea typeface="+mj-ea"/>
+                <a:cs typeface="+mj-cs"/>
+              </a:defRPr>
+            </a:lvl1pPr>
+          </a:lstStyle>
+          <a:p>
+            <a:r>
+              <a:rPr lang="ko-KR" altLang="en-US" sz="3200" dirty="0">
+                <a:latin typeface="배달의민족 주아" pitchFamily="18" charset="-127"/>
+                <a:ea typeface="배달의민족 주아" pitchFamily="18" charset="-127"/>
+              </a:rPr>
+              <a:t>웹 사이트</a:t>
+            </a:r>
+            <a:r>
+              <a:rPr lang="en-US" altLang="ko-KR" sz="3200" dirty="0">
+                <a:latin typeface="배달의민족 주아" pitchFamily="18" charset="-127"/>
+                <a:ea typeface="배달의민족 주아" pitchFamily="18" charset="-127"/>
+              </a:rPr>
+              <a:t>, </a:t>
+            </a:r>
+            <a:r>
+              <a:rPr lang="ko-KR" altLang="en-US" sz="3200" dirty="0">
+                <a:latin typeface="배달의민족 주아" pitchFamily="18" charset="-127"/>
+                <a:ea typeface="배달의민족 주아" pitchFamily="18" charset="-127"/>
+              </a:rPr>
+              <a:t>웹 애플리케이션을 구축하기 위한 </a:t>
+            </a:r>
+            <a:endParaRPr lang="en-US" altLang="ko-KR" sz="3200" dirty="0">
+              <a:latin typeface="배달의민족 주아" pitchFamily="18" charset="-127"/>
+              <a:ea typeface="배달의민족 주아" pitchFamily="18" charset="-127"/>
+            </a:endParaRPr>
+          </a:p>
+          <a:p>
+            <a:r>
+              <a:rPr lang="ko-KR" altLang="en-US" sz="3200" dirty="0">
+                <a:latin typeface="배달의민족 주아" pitchFamily="18" charset="-127"/>
+                <a:ea typeface="배달의민족 주아" pitchFamily="18" charset="-127"/>
+              </a:rPr>
+              <a:t>일련의 과정</a:t>
+            </a:r>
+          </a:p>
+        </p:txBody>
+      </p:sp>
+      <p:sp>
+        <p:nvSpPr>
+          <p:cNvPr id="6" name="직사각형 5">
+            <a:extLst>
+              <a:ext uri="{FF2B5EF4-FFF2-40B4-BE49-F238E27FC236}">
+                <a16:creationId xmlns:a16="http://schemas.microsoft.com/office/drawing/2014/main" id="{22444A36-82AA-4D2D-9175-B4E4FE912A80}"/>
+              </a:ext>
+            </a:extLst>
+          </p:cNvPr>
+          <p:cNvSpPr/>
+          <p:nvPr/>
+        </p:nvSpPr>
+        <p:spPr>
+          <a:xfrm>
+            <a:off x="107504" y="116632"/>
+            <a:ext cx="2880320" cy="646331"/>
+          </a:xfrm>
+          <a:prstGeom prst="rect">
+            <a:avLst/>
+          </a:prstGeom>
+        </p:spPr>
+        <p:txBody>
+          <a:bodyPr wrap="square">
+            <a:spAutoFit/>
+          </a:bodyPr>
+          <a:lstStyle/>
+          <a:p>
+            <a:r>
+              <a:rPr lang="en-US" altLang="ko-KR" dirty="0">
+                <a:latin typeface="배달의민족 주아" pitchFamily="18" charset="-127"/>
+                <a:ea typeface="배달의민족 주아" pitchFamily="18" charset="-127"/>
+              </a:rPr>
+              <a:t>2. </a:t>
+            </a:r>
+            <a:r>
+              <a:rPr lang="ko-KR" altLang="en-US" dirty="0">
+                <a:latin typeface="배달의민족 주아" pitchFamily="18" charset="-127"/>
+                <a:ea typeface="배달의민족 주아" pitchFamily="18" charset="-127"/>
+              </a:rPr>
+              <a:t>웹 프로그래밍이란 무엇인가</a:t>
+            </a:r>
+            <a:r>
+              <a:rPr lang="en-US" altLang="ko-KR" dirty="0">
+                <a:latin typeface="배달의민족 주아" pitchFamily="18" charset="-127"/>
+                <a:ea typeface="배달의민족 주아" pitchFamily="18" charset="-127"/>
+              </a:rPr>
+              <a:t>?</a:t>
+            </a:r>
+            <a:br>
+              <a:rPr lang="en-US" altLang="ko-KR" dirty="0">
+                <a:latin typeface="배달의민족 주아" pitchFamily="18" charset="-127"/>
+                <a:ea typeface="배달의민족 주아" pitchFamily="18" charset="-127"/>
+              </a:rPr>
+            </a:br>
+            <a:endParaRPr lang="ko-KR" altLang="en-US" dirty="0"/>
+          </a:p>
+        </p:txBody>
+      </p:sp>
+      <p:sp>
+        <p:nvSpPr>
+          <p:cNvPr id="7" name="제목 1">
+            <a:extLst>
+              <a:ext uri="{FF2B5EF4-FFF2-40B4-BE49-F238E27FC236}">
+                <a16:creationId xmlns:a16="http://schemas.microsoft.com/office/drawing/2014/main" id="{39951CD0-2A0A-4614-B05C-2AA2D25214EA}"/>
+              </a:ext>
+            </a:extLst>
+          </p:cNvPr>
+          <p:cNvSpPr txBox="1">
+            <a:spLocks/>
+          </p:cNvSpPr>
+          <p:nvPr/>
+        </p:nvSpPr>
+        <p:spPr>
+          <a:xfrm>
+            <a:off x="654789" y="4540779"/>
+            <a:ext cx="2549059" cy="1470025"/>
+          </a:xfrm>
+          <a:prstGeom prst="rect">
+            <a:avLst/>
+          </a:prstGeom>
+        </p:spPr>
+        <p:txBody>
+          <a:bodyPr vert="horz" lIns="91440" tIns="45720" rIns="91440" bIns="45720" rtlCol="0" anchor="ctr">
+            <a:normAutofit/>
+          </a:bodyPr>
+          <a:lstStyle>
+            <a:lvl1pPr algn="ctr" defTabSz="914400" rtl="0" eaLnBrk="1" latinLnBrk="1" hangingPunct="1">
+              <a:spcBef>
+                <a:spcPct val="0"/>
+              </a:spcBef>
+              <a:buNone/>
+              <a:defRPr sz="4400" kern="1200">
+                <a:solidFill>
+                  <a:schemeClr val="tx1"/>
+                </a:solidFill>
+                <a:latin typeface="+mj-lt"/>
+                <a:ea typeface="+mj-ea"/>
+                <a:cs typeface="+mj-cs"/>
+              </a:defRPr>
+            </a:lvl1pPr>
+          </a:lstStyle>
+          <a:p>
+            <a:r>
+              <a:rPr lang="ko-KR" altLang="en-US" dirty="0" err="1">
+                <a:solidFill>
+                  <a:schemeClr val="accent6"/>
+                </a:solidFill>
+                <a:latin typeface="배달의민족 주아" pitchFamily="18" charset="-127"/>
+                <a:ea typeface="배달의민족 주아" pitchFamily="18" charset="-127"/>
+              </a:rPr>
+              <a:t>프론트엔드</a:t>
+            </a:r>
+            <a:endParaRPr lang="ko-KR" altLang="en-US" dirty="0">
+              <a:solidFill>
+                <a:schemeClr val="accent6"/>
+              </a:solidFill>
+              <a:latin typeface="배달의민족 주아" pitchFamily="18" charset="-127"/>
+              <a:ea typeface="배달의민족 주아" pitchFamily="18" charset="-127"/>
+            </a:endParaRPr>
+          </a:p>
+        </p:txBody>
+      </p:sp>
+      <p:sp>
+        <p:nvSpPr>
+          <p:cNvPr id="8" name="제목 1">
+            <a:extLst>
+              <a:ext uri="{FF2B5EF4-FFF2-40B4-BE49-F238E27FC236}">
+                <a16:creationId xmlns:a16="http://schemas.microsoft.com/office/drawing/2014/main" id="{4343406A-604A-469C-B05D-30496E088876}"/>
+              </a:ext>
+            </a:extLst>
+          </p:cNvPr>
+          <p:cNvSpPr txBox="1">
+            <a:spLocks/>
+          </p:cNvSpPr>
+          <p:nvPr/>
+        </p:nvSpPr>
+        <p:spPr>
+          <a:xfrm>
+            <a:off x="3391095" y="4540779"/>
+            <a:ext cx="2549059" cy="1470025"/>
+          </a:xfrm>
+          <a:prstGeom prst="rect">
+            <a:avLst/>
+          </a:prstGeom>
+        </p:spPr>
+        <p:txBody>
+          <a:bodyPr vert="horz" lIns="91440" tIns="45720" rIns="91440" bIns="45720" rtlCol="0" anchor="ctr">
+            <a:normAutofit/>
+          </a:bodyPr>
+          <a:lstStyle>
+            <a:lvl1pPr algn="ctr" defTabSz="914400" rtl="0" eaLnBrk="1" latinLnBrk="1" hangingPunct="1">
+              <a:spcBef>
+                <a:spcPct val="0"/>
+              </a:spcBef>
+              <a:buNone/>
+              <a:defRPr sz="4400" kern="1200">
+                <a:solidFill>
+                  <a:schemeClr val="tx1"/>
+                </a:solidFill>
+                <a:latin typeface="+mj-lt"/>
+                <a:ea typeface="+mj-ea"/>
+                <a:cs typeface="+mj-cs"/>
+              </a:defRPr>
+            </a:lvl1pPr>
+          </a:lstStyle>
+          <a:p>
+            <a:r>
+              <a:rPr lang="ko-KR" altLang="en-US" dirty="0" err="1">
+                <a:solidFill>
+                  <a:schemeClr val="accent6"/>
+                </a:solidFill>
+                <a:latin typeface="배달의민족 주아" pitchFamily="18" charset="-127"/>
+                <a:ea typeface="배달의민족 주아" pitchFamily="18" charset="-127"/>
+              </a:rPr>
+              <a:t>백엔드</a:t>
+            </a:r>
+            <a:endParaRPr lang="ko-KR" altLang="en-US" dirty="0">
+              <a:solidFill>
+                <a:schemeClr val="accent6"/>
+              </a:solidFill>
+              <a:latin typeface="배달의민족 주아" pitchFamily="18" charset="-127"/>
+              <a:ea typeface="배달의민족 주아" pitchFamily="18" charset="-127"/>
+            </a:endParaRPr>
+          </a:p>
+        </p:txBody>
+      </p:sp>
+      <p:sp>
+        <p:nvSpPr>
+          <p:cNvPr id="9" name="제목 1">
+            <a:extLst>
+              <a:ext uri="{FF2B5EF4-FFF2-40B4-BE49-F238E27FC236}">
+                <a16:creationId xmlns:a16="http://schemas.microsoft.com/office/drawing/2014/main" id="{4A43483C-F916-42B9-B4C7-DEDDE2001181}"/>
+              </a:ext>
+            </a:extLst>
+          </p:cNvPr>
+          <p:cNvSpPr txBox="1">
+            <a:spLocks/>
+          </p:cNvSpPr>
+          <p:nvPr/>
+        </p:nvSpPr>
+        <p:spPr>
+          <a:xfrm>
+            <a:off x="6127401" y="4540779"/>
+            <a:ext cx="2549059" cy="1470025"/>
+          </a:xfrm>
+          <a:prstGeom prst="rect">
+            <a:avLst/>
+          </a:prstGeom>
+        </p:spPr>
+        <p:txBody>
+          <a:bodyPr vert="horz" lIns="91440" tIns="45720" rIns="91440" bIns="45720" rtlCol="0" anchor="ctr">
+            <a:normAutofit/>
+          </a:bodyPr>
+          <a:lstStyle>
+            <a:lvl1pPr algn="ctr" defTabSz="914400" rtl="0" eaLnBrk="1" latinLnBrk="1" hangingPunct="1">
+              <a:spcBef>
+                <a:spcPct val="0"/>
+              </a:spcBef>
+              <a:buNone/>
+              <a:defRPr sz="4400" kern="1200">
+                <a:solidFill>
+                  <a:schemeClr val="tx1"/>
+                </a:solidFill>
+                <a:latin typeface="+mj-lt"/>
+                <a:ea typeface="+mj-ea"/>
+                <a:cs typeface="+mj-cs"/>
+              </a:defRPr>
+            </a:lvl1pPr>
+          </a:lstStyle>
+          <a:p>
+            <a:r>
+              <a:rPr lang="ko-KR" altLang="en-US" dirty="0">
+                <a:solidFill>
+                  <a:schemeClr val="accent6"/>
+                </a:solidFill>
+                <a:latin typeface="배달의민족 주아" pitchFamily="18" charset="-127"/>
+                <a:ea typeface="배달의민족 주아" pitchFamily="18" charset="-127"/>
+              </a:rPr>
+              <a:t>브라우저</a:t>
+            </a:r>
+          </a:p>
+        </p:txBody>
+      </p:sp>
     </p:spTree>
     <p:extLst>
       <p:ext uri="{BB962C8B-B14F-4D97-AF65-F5344CB8AC3E}">
-        <p14:creationId xmlns:p14="http://schemas.microsoft.com/office/powerpoint/2010/main" val="1119362277"/>
+        <p14:creationId xmlns:p14="http://schemas.microsoft.com/office/powerpoint/2010/main" val="3842579216"/>
       </p:ext>
     </p:extLst>
   </p:cSld>
@@ -7033,9 +8547,253 @@
   <p:timing>
     <p:tnLst>
       <p:par>
-        <p:cTn id="1" dur="indefinite" restart="never" nodeType="tmRoot"/>
+        <p:cTn id="1" dur="indefinite" restart="never" nodeType="tmRoot">
+          <p:childTnLst>
+            <p:seq concurrent="1" nextAc="seek">
+              <p:cTn id="2" dur="indefinite" nodeType="mainSeq">
+                <p:childTnLst>
+                  <p:par>
+                    <p:cTn id="3" fill="hold">
+                      <p:stCondLst>
+                        <p:cond delay="indefinite"/>
+                      </p:stCondLst>
+                      <p:childTnLst>
+                        <p:par>
+                          <p:cTn id="4" fill="hold">
+                            <p:stCondLst>
+                              <p:cond delay="0"/>
+                            </p:stCondLst>
+                            <p:childTnLst>
+                              <p:par>
+                                <p:cTn id="5" presetID="10" presetClass="entr" presetSubtype="0" fill="hold" grpId="0" nodeType="clickEffect">
+                                  <p:stCondLst>
+                                    <p:cond delay="0"/>
+                                  </p:stCondLst>
+                                  <p:iterate type="lt">
+                                    <p:tmPct val="10000"/>
+                                  </p:iterate>
+                                  <p:childTnLst>
+                                    <p:set>
+                                      <p:cBhvr>
+                                        <p:cTn id="6" dur="1" fill="hold">
+                                          <p:stCondLst>
+                                            <p:cond delay="0"/>
+                                          </p:stCondLst>
+                                        </p:cTn>
+                                        <p:tgtEl>
+                                          <p:spTgt spid="5"/>
+                                        </p:tgtEl>
+                                        <p:attrNameLst>
+                                          <p:attrName>style.visibility</p:attrName>
+                                        </p:attrNameLst>
+                                      </p:cBhvr>
+                                      <p:to>
+                                        <p:strVal val="visible"/>
+                                      </p:to>
+                                    </p:set>
+                                    <p:animEffect transition="in" filter="fade">
+                                      <p:cBhvr>
+                                        <p:cTn id="7" dur="500"/>
+                                        <p:tgtEl>
+                                          <p:spTgt spid="5"/>
+                                        </p:tgtEl>
+                                      </p:cBhvr>
+                                    </p:animEffect>
+                                  </p:childTnLst>
+                                </p:cTn>
+                              </p:par>
+                            </p:childTnLst>
+                          </p:cTn>
+                        </p:par>
+                      </p:childTnLst>
+                    </p:cTn>
+                  </p:par>
+                  <p:par>
+                    <p:cTn id="8" fill="hold">
+                      <p:stCondLst>
+                        <p:cond delay="indefinite"/>
+                      </p:stCondLst>
+                      <p:childTnLst>
+                        <p:par>
+                          <p:cTn id="9" fill="hold">
+                            <p:stCondLst>
+                              <p:cond delay="0"/>
+                            </p:stCondLst>
+                            <p:childTnLst>
+                              <p:par>
+                                <p:cTn id="10" presetID="10" presetClass="entr" presetSubtype="0" fill="hold" grpId="0" nodeType="clickEffect">
+                                  <p:stCondLst>
+                                    <p:cond delay="0"/>
+                                  </p:stCondLst>
+                                  <p:childTnLst>
+                                    <p:set>
+                                      <p:cBhvr>
+                                        <p:cTn id="11" dur="1" fill="hold">
+                                          <p:stCondLst>
+                                            <p:cond delay="0"/>
+                                          </p:stCondLst>
+                                        </p:cTn>
+                                        <p:tgtEl>
+                                          <p:spTgt spid="7"/>
+                                        </p:tgtEl>
+                                        <p:attrNameLst>
+                                          <p:attrName>style.visibility</p:attrName>
+                                        </p:attrNameLst>
+                                      </p:cBhvr>
+                                      <p:to>
+                                        <p:strVal val="visible"/>
+                                      </p:to>
+                                    </p:set>
+                                    <p:animEffect transition="in" filter="fade">
+                                      <p:cBhvr>
+                                        <p:cTn id="12" dur="500"/>
+                                        <p:tgtEl>
+                                          <p:spTgt spid="7"/>
+                                        </p:tgtEl>
+                                      </p:cBhvr>
+                                    </p:animEffect>
+                                  </p:childTnLst>
+                                </p:cTn>
+                              </p:par>
+                            </p:childTnLst>
+                          </p:cTn>
+                        </p:par>
+                      </p:childTnLst>
+                    </p:cTn>
+                  </p:par>
+                  <p:par>
+                    <p:cTn id="13" fill="hold">
+                      <p:stCondLst>
+                        <p:cond delay="indefinite"/>
+                      </p:stCondLst>
+                      <p:childTnLst>
+                        <p:par>
+                          <p:cTn id="14" fill="hold">
+                            <p:stCondLst>
+                              <p:cond delay="0"/>
+                            </p:stCondLst>
+                            <p:childTnLst>
+                              <p:par>
+                                <p:cTn id="15" presetID="10" presetClass="entr" presetSubtype="0" fill="hold" grpId="0" nodeType="clickEffect">
+                                  <p:stCondLst>
+                                    <p:cond delay="0"/>
+                                  </p:stCondLst>
+                                  <p:childTnLst>
+                                    <p:set>
+                                      <p:cBhvr>
+                                        <p:cTn id="16" dur="1" fill="hold">
+                                          <p:stCondLst>
+                                            <p:cond delay="0"/>
+                                          </p:stCondLst>
+                                        </p:cTn>
+                                        <p:tgtEl>
+                                          <p:spTgt spid="8"/>
+                                        </p:tgtEl>
+                                        <p:attrNameLst>
+                                          <p:attrName>style.visibility</p:attrName>
+                                        </p:attrNameLst>
+                                      </p:cBhvr>
+                                      <p:to>
+                                        <p:strVal val="visible"/>
+                                      </p:to>
+                                    </p:set>
+                                    <p:animEffect transition="in" filter="fade">
+                                      <p:cBhvr>
+                                        <p:cTn id="17" dur="500"/>
+                                        <p:tgtEl>
+                                          <p:spTgt spid="8"/>
+                                        </p:tgtEl>
+                                      </p:cBhvr>
+                                    </p:animEffect>
+                                  </p:childTnLst>
+                                </p:cTn>
+                              </p:par>
+                            </p:childTnLst>
+                          </p:cTn>
+                        </p:par>
+                      </p:childTnLst>
+                    </p:cTn>
+                  </p:par>
+                  <p:par>
+                    <p:cTn id="18" fill="hold">
+                      <p:stCondLst>
+                        <p:cond delay="indefinite"/>
+                      </p:stCondLst>
+                      <p:childTnLst>
+                        <p:par>
+                          <p:cTn id="19" fill="hold">
+                            <p:stCondLst>
+                              <p:cond delay="0"/>
+                            </p:stCondLst>
+                            <p:childTnLst>
+                              <p:par>
+                                <p:cTn id="20" presetID="10" presetClass="entr" presetSubtype="0" fill="hold" grpId="0" nodeType="clickEffect">
+                                  <p:stCondLst>
+                                    <p:cond delay="0"/>
+                                  </p:stCondLst>
+                                  <p:childTnLst>
+                                    <p:set>
+                                      <p:cBhvr>
+                                        <p:cTn id="21" dur="1" fill="hold">
+                                          <p:stCondLst>
+                                            <p:cond delay="0"/>
+                                          </p:stCondLst>
+                                        </p:cTn>
+                                        <p:tgtEl>
+                                          <p:spTgt spid="9"/>
+                                        </p:tgtEl>
+                                        <p:attrNameLst>
+                                          <p:attrName>style.visibility</p:attrName>
+                                        </p:attrNameLst>
+                                      </p:cBhvr>
+                                      <p:to>
+                                        <p:strVal val="visible"/>
+                                      </p:to>
+                                    </p:set>
+                                    <p:animEffect transition="in" filter="fade">
+                                      <p:cBhvr>
+                                        <p:cTn id="22" dur="500"/>
+                                        <p:tgtEl>
+                                          <p:spTgt spid="9"/>
+                                        </p:tgtEl>
+                                      </p:cBhvr>
+                                    </p:animEffect>
+                                  </p:childTnLst>
+                                </p:cTn>
+                              </p:par>
+                            </p:childTnLst>
+                          </p:cTn>
+                        </p:par>
+                      </p:childTnLst>
+                    </p:cTn>
+                  </p:par>
+                </p:childTnLst>
+              </p:cTn>
+              <p:prevCondLst>
+                <p:cond evt="onPrev" delay="0">
+                  <p:tgtEl>
+                    <p:sldTgt/>
+                  </p:tgtEl>
+                </p:cond>
+              </p:prevCondLst>
+              <p:nextCondLst>
+                <p:cond evt="onNext" delay="0">
+                  <p:tgtEl>
+                    <p:sldTgt/>
+                  </p:tgtEl>
+                </p:cond>
+              </p:nextCondLst>
+            </p:seq>
+          </p:childTnLst>
+        </p:cTn>
       </p:par>
     </p:tnLst>
+    <p:bldLst>
+      <p:bldP spid="5" grpId="0"/>
+      <p:bldP spid="7" grpId="0"/>
+      <p:bldP spid="8" grpId="0"/>
+      <p:bldP spid="9" grpId="0"/>
+    </p:bldLst>
   </p:timing>
 </p:sld>
 </file>
@@ -7080,30 +8838,12 @@
           <a:lstStyle/>
           <a:p>
             <a:r>
-              <a:rPr lang="ko-KR" altLang="en-US" dirty="0" smtClean="0">
-                <a:latin typeface="배달의민족 주아" pitchFamily="18" charset="-127"/>
-                <a:ea typeface="배달의민족 주아" pitchFamily="18" charset="-127"/>
-              </a:rPr>
-              <a:t>웹사이트가 </a:t>
-            </a:r>
-            <a:r>
-              <a:rPr lang="ko-KR" altLang="en-US" dirty="0" err="1" smtClean="0">
-                <a:latin typeface="배달의민족 주아" pitchFamily="18" charset="-127"/>
-                <a:ea typeface="배달의민족 주아" pitchFamily="18" charset="-127"/>
-              </a:rPr>
-              <a:t>이쁘게</a:t>
-            </a:r>
-            <a:r>
-              <a:rPr lang="ko-KR" altLang="en-US" dirty="0" smtClean="0">
-                <a:latin typeface="배달의민족 주아" pitchFamily="18" charset="-127"/>
-                <a:ea typeface="배달의민족 주아" pitchFamily="18" charset="-127"/>
-              </a:rPr>
-              <a:t> 잘 동작할 수 있도록 도와주는 프로그램 </a:t>
-            </a:r>
-            <a:endParaRPr lang="ko-KR" altLang="en-US" dirty="0">
-              <a:latin typeface="배달의민족 주아" pitchFamily="18" charset="-127"/>
-              <a:ea typeface="배달의민족 주아" pitchFamily="18" charset="-127"/>
-            </a:endParaRPr>
+              <a:rPr lang="ko-KR" altLang="en-US" sz="3200" dirty="0">
+                <a:latin typeface="배달의민족 주아" pitchFamily="18" charset="-127"/>
+                <a:ea typeface="배달의민족 주아" pitchFamily="18" charset="-127"/>
+              </a:rPr>
+              <a:t>웹 브라우저가 이해할 수 있는 언어로 화면을 만드는 분야</a:t>
+            </a:r>
           </a:p>
         </p:txBody>
       </p:sp>
@@ -7146,13 +8886,13 @@
           </a:lstStyle>
           <a:p>
             <a:r>
-              <a:rPr lang="ko-KR" altLang="en-US" sz="4000" dirty="0" err="1" smtClean="0">
-                <a:latin typeface="배달의민족 주아" pitchFamily="18" charset="-127"/>
-                <a:ea typeface="배달의민족 주아" pitchFamily="18" charset="-127"/>
-              </a:rPr>
-              <a:t>웹브라우저</a:t>
-            </a:r>
-            <a:endParaRPr lang="ko-KR" altLang="en-US" sz="4000" dirty="0">
+              <a:rPr lang="ko-KR" altLang="en-US" dirty="0" err="1">
+                <a:latin typeface="배달의민족 주아" pitchFamily="18" charset="-127"/>
+                <a:ea typeface="배달의민족 주아" pitchFamily="18" charset="-127"/>
+              </a:rPr>
+              <a:t>프론트엔드</a:t>
+            </a:r>
+            <a:endParaRPr lang="ko-KR" altLang="en-US" dirty="0">
               <a:latin typeface="배달의민족 주아" pitchFamily="18" charset="-127"/>
               <a:ea typeface="배달의민족 주아" pitchFamily="18" charset="-127"/>
             </a:endParaRPr>
@@ -7182,7 +8922,7 @@
           <a:lstStyle/>
           <a:p>
             <a:r>
-              <a:rPr lang="en-US" altLang="ko-KR" dirty="0" smtClean="0">
+              <a:rPr lang="en-US" altLang="ko-KR" dirty="0">
                 <a:solidFill>
                   <a:schemeClr val="accent5"/>
                 </a:solidFill>
@@ -7192,14 +8932,14 @@
               <a:t>S</a:t>
             </a:r>
             <a:r>
-              <a:rPr lang="en-US" altLang="ko-KR" dirty="0" smtClean="0">
+              <a:rPr lang="en-US" altLang="ko-KR" dirty="0">
                 <a:latin typeface="배달의민족 도현" pitchFamily="50" charset="-127"/>
                 <a:ea typeface="배달의민족 도현" pitchFamily="50" charset="-127"/>
               </a:rPr>
               <a:t>TART</a:t>
             </a:r>
             <a:r>
-              <a:rPr lang="en-US" altLang="ko-KR" dirty="0" smtClean="0">
+              <a:rPr lang="en-US" altLang="ko-KR" dirty="0">
                 <a:solidFill>
                   <a:schemeClr val="accent5"/>
                 </a:solidFill>
@@ -7209,7 +8949,7 @@
               <a:t>C</a:t>
             </a:r>
             <a:r>
-              <a:rPr lang="en-US" altLang="ko-KR" dirty="0" smtClean="0">
+              <a:rPr lang="en-US" altLang="ko-KR" dirty="0">
                 <a:latin typeface="배달의민족 도현" pitchFamily="50" charset="-127"/>
                 <a:ea typeface="배달의민족 도현" pitchFamily="50" charset="-127"/>
               </a:rPr>
@@ -7222,10 +8962,68 @@
           </a:p>
         </p:txBody>
       </p:sp>
+      <p:sp>
+        <p:nvSpPr>
+          <p:cNvPr id="5" name="직사각형 4">
+            <a:extLst>
+              <a:ext uri="{FF2B5EF4-FFF2-40B4-BE49-F238E27FC236}">
+                <a16:creationId xmlns:a16="http://schemas.microsoft.com/office/drawing/2014/main" id="{AF767B43-31E8-47C6-B1CE-0D659959D756}"/>
+              </a:ext>
+            </a:extLst>
+          </p:cNvPr>
+          <p:cNvSpPr/>
+          <p:nvPr/>
+        </p:nvSpPr>
+        <p:spPr>
+          <a:xfrm>
+            <a:off x="107504" y="116632"/>
+            <a:ext cx="2880320" cy="646331"/>
+          </a:xfrm>
+          <a:prstGeom prst="rect">
+            <a:avLst/>
+          </a:prstGeom>
+        </p:spPr>
+        <p:txBody>
+          <a:bodyPr wrap="square">
+            <a:spAutoFit/>
+          </a:bodyPr>
+          <a:lstStyle/>
+          <a:p>
+            <a:r>
+              <a:rPr lang="en-US" altLang="ko-KR" dirty="0">
+                <a:latin typeface="배달의민족 주아" pitchFamily="18" charset="-127"/>
+                <a:ea typeface="배달의민족 주아" pitchFamily="18" charset="-127"/>
+              </a:rPr>
+              <a:t>2. </a:t>
+            </a:r>
+            <a:r>
+              <a:rPr lang="ko-KR" altLang="en-US" dirty="0">
+                <a:latin typeface="배달의민족 주아" pitchFamily="18" charset="-127"/>
+                <a:ea typeface="배달의민족 주아" pitchFamily="18" charset="-127"/>
+              </a:rPr>
+              <a:t>웹 프로그래밍이란 무엇인가</a:t>
+            </a:r>
+            <a:r>
+              <a:rPr lang="en-US" altLang="ko-KR" dirty="0">
+                <a:latin typeface="배달의민족 주아" pitchFamily="18" charset="-127"/>
+                <a:ea typeface="배달의민족 주아" pitchFamily="18" charset="-127"/>
+              </a:rPr>
+              <a:t>?</a:t>
+            </a:r>
+            <a:br>
+              <a:rPr lang="en-US" altLang="ko-KR" dirty="0">
+                <a:latin typeface="배달의민족 주아" pitchFamily="18" charset="-127"/>
+                <a:ea typeface="배달의민족 주아" pitchFamily="18" charset="-127"/>
+              </a:rPr>
+            </a:br>
+            <a:endParaRPr lang="ko-KR" altLang="en-US" dirty="0"/>
+          </a:p>
+        </p:txBody>
+      </p:sp>
     </p:spTree>
     <p:extLst>
       <p:ext uri="{BB962C8B-B14F-4D97-AF65-F5344CB8AC3E}">
-        <p14:creationId xmlns:p14="http://schemas.microsoft.com/office/powerpoint/2010/main" val="3626165507"/>
+        <p14:creationId xmlns:p14="http://schemas.microsoft.com/office/powerpoint/2010/main" val="4096364112"/>
       </p:ext>
     </p:extLst>
   </p:cSld>
@@ -7310,6 +9108,9 @@
                                   <p:stCondLst>
                                     <p:cond delay="0"/>
                                   </p:stCondLst>
+                                  <p:iterate type="lt">
+                                    <p:tmPct val="10000"/>
+                                  </p:iterate>
                                   <p:childTnLst>
                                     <p:set>
                                       <p:cBhvr>
